--- a/sessions/day2_webdata/day2_collecting_data.pptx
+++ b/sessions/day2_webdata/day2_collecting_data.pptx
@@ -5,45 +5,48 @@
     <p:sldMasterId id="2147483762" r:id="rId1"/>
   </p:sldMasterIdLst>
   <p:notesMasterIdLst>
-    <p:notesMasterId r:id="rId38"/>
+    <p:notesMasterId r:id="rId41"/>
   </p:notesMasterIdLst>
   <p:sldIdLst>
-    <p:sldId id="267" r:id="rId2"/>
-    <p:sldId id="270" r:id="rId3"/>
-    <p:sldId id="309" r:id="rId4"/>
-    <p:sldId id="311" r:id="rId5"/>
-    <p:sldId id="313" r:id="rId6"/>
-    <p:sldId id="268" r:id="rId7"/>
-    <p:sldId id="271" r:id="rId8"/>
-    <p:sldId id="273" r:id="rId9"/>
-    <p:sldId id="275" r:id="rId10"/>
-    <p:sldId id="256" r:id="rId11"/>
-    <p:sldId id="258" r:id="rId12"/>
-    <p:sldId id="282" r:id="rId13"/>
-    <p:sldId id="289" r:id="rId14"/>
-    <p:sldId id="283" r:id="rId15"/>
-    <p:sldId id="298" r:id="rId16"/>
-    <p:sldId id="300" r:id="rId17"/>
-    <p:sldId id="285" r:id="rId18"/>
-    <p:sldId id="286" r:id="rId19"/>
-    <p:sldId id="284" r:id="rId20"/>
-    <p:sldId id="306" r:id="rId21"/>
-    <p:sldId id="294" r:id="rId22"/>
-    <p:sldId id="301" r:id="rId23"/>
-    <p:sldId id="312" r:id="rId24"/>
-    <p:sldId id="280" r:id="rId25"/>
-    <p:sldId id="281" r:id="rId26"/>
-    <p:sldId id="259" r:id="rId27"/>
-    <p:sldId id="260" r:id="rId28"/>
-    <p:sldId id="307" r:id="rId29"/>
-    <p:sldId id="262" r:id="rId30"/>
-    <p:sldId id="277" r:id="rId31"/>
-    <p:sldId id="263" r:id="rId32"/>
-    <p:sldId id="290" r:id="rId33"/>
-    <p:sldId id="278" r:id="rId34"/>
-    <p:sldId id="279" r:id="rId35"/>
-    <p:sldId id="295" r:id="rId36"/>
-    <p:sldId id="269" r:id="rId37"/>
+    <p:sldId id="315" r:id="rId2"/>
+    <p:sldId id="267" r:id="rId3"/>
+    <p:sldId id="270" r:id="rId4"/>
+    <p:sldId id="309" r:id="rId5"/>
+    <p:sldId id="311" r:id="rId6"/>
+    <p:sldId id="314" r:id="rId7"/>
+    <p:sldId id="313" r:id="rId8"/>
+    <p:sldId id="268" r:id="rId9"/>
+    <p:sldId id="271" r:id="rId10"/>
+    <p:sldId id="273" r:id="rId11"/>
+    <p:sldId id="275" r:id="rId12"/>
+    <p:sldId id="256" r:id="rId13"/>
+    <p:sldId id="258" r:id="rId14"/>
+    <p:sldId id="282" r:id="rId15"/>
+    <p:sldId id="289" r:id="rId16"/>
+    <p:sldId id="283" r:id="rId17"/>
+    <p:sldId id="298" r:id="rId18"/>
+    <p:sldId id="300" r:id="rId19"/>
+    <p:sldId id="285" r:id="rId20"/>
+    <p:sldId id="286" r:id="rId21"/>
+    <p:sldId id="284" r:id="rId22"/>
+    <p:sldId id="306" r:id="rId23"/>
+    <p:sldId id="294" r:id="rId24"/>
+    <p:sldId id="301" r:id="rId25"/>
+    <p:sldId id="312" r:id="rId26"/>
+    <p:sldId id="280" r:id="rId27"/>
+    <p:sldId id="281" r:id="rId28"/>
+    <p:sldId id="316" r:id="rId29"/>
+    <p:sldId id="259" r:id="rId30"/>
+    <p:sldId id="260" r:id="rId31"/>
+    <p:sldId id="307" r:id="rId32"/>
+    <p:sldId id="262" r:id="rId33"/>
+    <p:sldId id="277" r:id="rId34"/>
+    <p:sldId id="263" r:id="rId35"/>
+    <p:sldId id="290" r:id="rId36"/>
+    <p:sldId id="278" r:id="rId37"/>
+    <p:sldId id="279" r:id="rId38"/>
+    <p:sldId id="295" r:id="rId39"/>
+    <p:sldId id="269" r:id="rId40"/>
   </p:sldIdLst>
   <p:sldSz cx="12192000" cy="6858000"/>
   <p:notesSz cx="6858000" cy="9144000"/>
@@ -243,7 +246,7 @@
           <a:p>
             <a:fld id="{AB89FC49-2A21-438B-8E6C-C35816EB6680}" type="datetimeFigureOut">
               <a:rPr lang="de-DE" smtClean="0"/>
-              <a:t>08.07.2024</a:t>
+              <a:t>09.07.2024</a:t>
             </a:fld>
             <a:endParaRPr lang="de-DE"/>
           </a:p>
@@ -510,6 +513,90 @@
 </p:notesMaster>
 </file>
 
+<file path=ppt/notesSlides/notesSlide1.xml><?xml version="1.0" encoding="utf-8"?>
+<p:notes xmlns:a="http://schemas.openxmlformats.org/drawingml/2006/main" xmlns:r="http://schemas.openxmlformats.org/officeDocument/2006/relationships" xmlns:p="http://schemas.openxmlformats.org/presentationml/2006/main">
+  <p:cSld>
+    <p:spTree>
+      <p:nvGrpSpPr>
+        <p:cNvPr id="1" name=""/>
+        <p:cNvGrpSpPr/>
+        <p:nvPr/>
+      </p:nvGrpSpPr>
+      <p:grpSpPr>
+        <a:xfrm>
+          <a:off x="0" y="0"/>
+          <a:ext cx="0" cy="0"/>
+          <a:chOff x="0" y="0"/>
+          <a:chExt cx="0" cy="0"/>
+        </a:xfrm>
+      </p:grpSpPr>
+      <p:sp>
+        <p:nvSpPr>
+          <p:cNvPr id="2" name="Slide Image Placeholder 1"/>
+          <p:cNvSpPr>
+            <a:spLocks noGrp="1" noRot="1" noChangeAspect="1"/>
+          </p:cNvSpPr>
+          <p:nvPr>
+            <p:ph type="sldImg"/>
+          </p:nvPr>
+        </p:nvSpPr>
+        <p:spPr/>
+      </p:sp>
+      <p:sp>
+        <p:nvSpPr>
+          <p:cNvPr id="3" name="Notes Placeholder 2"/>
+          <p:cNvSpPr>
+            <a:spLocks noGrp="1"/>
+          </p:cNvSpPr>
+          <p:nvPr>
+            <p:ph type="body" idx="1"/>
+          </p:nvPr>
+        </p:nvSpPr>
+        <p:spPr/>
+        <p:txBody>
+          <a:bodyPr/>
+          <a:lstStyle/>
+          <a:p>
+            <a:endParaRPr lang="en-US"/>
+          </a:p>
+        </p:txBody>
+      </p:sp>
+      <p:sp>
+        <p:nvSpPr>
+          <p:cNvPr id="4" name="Slide Number Placeholder 3"/>
+          <p:cNvSpPr>
+            <a:spLocks noGrp="1"/>
+          </p:cNvSpPr>
+          <p:nvPr>
+            <p:ph type="sldNum" sz="quarter" idx="5"/>
+          </p:nvPr>
+        </p:nvSpPr>
+        <p:spPr/>
+        <p:txBody>
+          <a:bodyPr/>
+          <a:lstStyle/>
+          <a:p>
+            <a:fld id="{360123BD-A7E6-4287-AE4A-71E575CAC1D4}" type="slidenum">
+              <a:rPr lang="de-DE" smtClean="0"/>
+              <a:t>15</a:t>
+            </a:fld>
+            <a:endParaRPr lang="de-DE"/>
+          </a:p>
+        </p:txBody>
+      </p:sp>
+    </p:spTree>
+    <p:extLst>
+      <p:ext uri="{BB962C8B-B14F-4D97-AF65-F5344CB8AC3E}">
+        <p14:creationId xmlns:p14="http://schemas.microsoft.com/office/powerpoint/2010/main" val="824756256"/>
+      </p:ext>
+    </p:extLst>
+  </p:cSld>
+  <p:clrMapOvr>
+    <a:masterClrMapping/>
+  </p:clrMapOvr>
+</p:notes>
+</file>
+
 <file path=ppt/slideLayouts/slideLayout1.xml><?xml version="1.0" encoding="utf-8"?>
 <p:sldLayout xmlns:a="http://schemas.openxmlformats.org/drawingml/2006/main" xmlns:r="http://schemas.openxmlformats.org/officeDocument/2006/relationships" xmlns:p="http://schemas.openxmlformats.org/presentationml/2006/main" type="title" preserve="1">
   <p:cSld name="Title Slide">
@@ -641,7 +728,7 @@
           <a:p>
             <a:fld id="{E1A1BD76-9844-430C-BF30-2F6945F86223}" type="datetimeFigureOut">
               <a:rPr lang="de-DE" smtClean="0"/>
-              <a:t>08.07.2024</a:t>
+              <a:t>09.07.2024</a:t>
             </a:fld>
             <a:endParaRPr lang="de-DE"/>
           </a:p>
@@ -811,7 +898,7 @@
           <a:p>
             <a:fld id="{E1A1BD76-9844-430C-BF30-2F6945F86223}" type="datetimeFigureOut">
               <a:rPr lang="de-DE" smtClean="0"/>
-              <a:t>08.07.2024</a:t>
+              <a:t>09.07.2024</a:t>
             </a:fld>
             <a:endParaRPr lang="de-DE"/>
           </a:p>
@@ -991,7 +1078,7 @@
           <a:p>
             <a:fld id="{E1A1BD76-9844-430C-BF30-2F6945F86223}" type="datetimeFigureOut">
               <a:rPr lang="de-DE" smtClean="0"/>
-              <a:t>08.07.2024</a:t>
+              <a:t>09.07.2024</a:t>
             </a:fld>
             <a:endParaRPr lang="de-DE"/>
           </a:p>
@@ -1160,7 +1247,7 @@
           <a:p>
             <a:fld id="{E1A1BD76-9844-430C-BF30-2F6945F86223}" type="datetimeFigureOut">
               <a:rPr lang="de-DE" smtClean="0"/>
-              <a:t>08.07.2024</a:t>
+              <a:t>09.07.2024</a:t>
             </a:fld>
             <a:endParaRPr lang="de-DE"/>
           </a:p>
@@ -1422,7 +1509,7 @@
           <a:p>
             <a:fld id="{E1A1BD76-9844-430C-BF30-2F6945F86223}" type="datetimeFigureOut">
               <a:rPr lang="de-DE" smtClean="0"/>
-              <a:t>08.07.2024</a:t>
+              <a:t>09.07.2024</a:t>
             </a:fld>
             <a:endParaRPr lang="de-DE"/>
           </a:p>
@@ -1653,7 +1740,7 @@
           <a:p>
             <a:fld id="{E1A1BD76-9844-430C-BF30-2F6945F86223}" type="datetimeFigureOut">
               <a:rPr lang="de-DE" smtClean="0"/>
-              <a:t>08.07.2024</a:t>
+              <a:t>09.07.2024</a:t>
             </a:fld>
             <a:endParaRPr lang="de-DE"/>
           </a:p>
@@ -2020,7 +2107,7 @@
           <a:p>
             <a:fld id="{E1A1BD76-9844-430C-BF30-2F6945F86223}" type="datetimeFigureOut">
               <a:rPr lang="de-DE" smtClean="0"/>
-              <a:t>08.07.2024</a:t>
+              <a:t>09.07.2024</a:t>
             </a:fld>
             <a:endParaRPr lang="de-DE"/>
           </a:p>
@@ -2138,7 +2225,7 @@
           <a:p>
             <a:fld id="{E1A1BD76-9844-430C-BF30-2F6945F86223}" type="datetimeFigureOut">
               <a:rPr lang="de-DE" smtClean="0"/>
-              <a:t>08.07.2024</a:t>
+              <a:t>09.07.2024</a:t>
             </a:fld>
             <a:endParaRPr lang="de-DE"/>
           </a:p>
@@ -2233,7 +2320,7 @@
           <a:p>
             <a:fld id="{E1A1BD76-9844-430C-BF30-2F6945F86223}" type="datetimeFigureOut">
               <a:rPr lang="de-DE" smtClean="0"/>
-              <a:t>08.07.2024</a:t>
+              <a:t>09.07.2024</a:t>
             </a:fld>
             <a:endParaRPr lang="de-DE"/>
           </a:p>
@@ -2510,7 +2597,7 @@
           <a:p>
             <a:fld id="{E1A1BD76-9844-430C-BF30-2F6945F86223}" type="datetimeFigureOut">
               <a:rPr lang="de-DE" smtClean="0"/>
-              <a:t>08.07.2024</a:t>
+              <a:t>09.07.2024</a:t>
             </a:fld>
             <a:endParaRPr lang="de-DE"/>
           </a:p>
@@ -2767,7 +2854,7 @@
           <a:p>
             <a:fld id="{E1A1BD76-9844-430C-BF30-2F6945F86223}" type="datetimeFigureOut">
               <a:rPr lang="de-DE" smtClean="0"/>
-              <a:t>08.07.2024</a:t>
+              <a:t>09.07.2024</a:t>
             </a:fld>
             <a:endParaRPr lang="de-DE"/>
           </a:p>
@@ -2980,7 +3067,7 @@
           <a:p>
             <a:fld id="{E1A1BD76-9844-430C-BF30-2F6945F86223}" type="datetimeFigureOut">
               <a:rPr lang="de-DE" smtClean="0"/>
-              <a:t>08.07.2024</a:t>
+              <a:t>09.07.2024</a:t>
             </a:fld>
             <a:endParaRPr lang="de-DE"/>
           </a:p>
@@ -3403,10 +3490,10 @@
       </p:grpSpPr>
       <p:sp>
         <p:nvSpPr>
-          <p:cNvPr id="4" name="Title 3">
+          <p:cNvPr id="2" name="Title 1">
             <a:extLst>
               <a:ext uri="{FF2B5EF4-FFF2-40B4-BE49-F238E27FC236}">
-                <a16:creationId xmlns:a16="http://schemas.microsoft.com/office/drawing/2014/main" id="{53C34C76-48A5-7C05-F987-1DAC4B58F98F}"/>
+                <a16:creationId xmlns:a16="http://schemas.microsoft.com/office/drawing/2014/main" id="{AB0DA1EB-5962-F5CE-F4CE-EB3AAD4E85C6}"/>
               </a:ext>
             </a:extLst>
           </p:cNvPr>
@@ -3419,153 +3506,19 @@
         </p:nvSpPr>
         <p:spPr/>
         <p:txBody>
-          <a:bodyPr>
-            <a:normAutofit/>
-          </a:bodyPr>
+          <a:bodyPr/>
           <a:lstStyle/>
           <a:p>
-            <a:r>
-              <a:rPr lang="de-DE" dirty="0" err="1">
-                <a:latin typeface="Tahoma" panose="020B0604030504040204" pitchFamily="34" charset="0"/>
-                <a:ea typeface="Tahoma" panose="020B0604030504040204" pitchFamily="34" charset="0"/>
-                <a:cs typeface="Tahoma" panose="020B0604030504040204" pitchFamily="34" charset="0"/>
-              </a:rPr>
-              <a:t>What</a:t>
-            </a:r>
-            <a:r>
-              <a:rPr lang="de-DE" dirty="0">
-                <a:latin typeface="Tahoma" panose="020B0604030504040204" pitchFamily="34" charset="0"/>
-                <a:ea typeface="Tahoma" panose="020B0604030504040204" pitchFamily="34" charset="0"/>
-                <a:cs typeface="Tahoma" panose="020B0604030504040204" pitchFamily="34" charset="0"/>
-              </a:rPr>
-              <a:t> </a:t>
-            </a:r>
-            <a:r>
-              <a:rPr lang="de-DE" dirty="0" err="1">
-                <a:latin typeface="Tahoma" panose="020B0604030504040204" pitchFamily="34" charset="0"/>
-                <a:ea typeface="Tahoma" panose="020B0604030504040204" pitchFamily="34" charset="0"/>
-                <a:cs typeface="Tahoma" panose="020B0604030504040204" pitchFamily="34" charset="0"/>
-              </a:rPr>
-              <a:t>is</a:t>
-            </a:r>
-            <a:r>
-              <a:rPr lang="de-DE" dirty="0">
-                <a:latin typeface="Tahoma" panose="020B0604030504040204" pitchFamily="34" charset="0"/>
-                <a:ea typeface="Tahoma" panose="020B0604030504040204" pitchFamily="34" charset="0"/>
-                <a:cs typeface="Tahoma" panose="020B0604030504040204" pitchFamily="34" charset="0"/>
-              </a:rPr>
-              <a:t> digital </a:t>
-            </a:r>
-            <a:r>
-              <a:rPr lang="de-DE" dirty="0" err="1">
-                <a:latin typeface="Tahoma" panose="020B0604030504040204" pitchFamily="34" charset="0"/>
-                <a:ea typeface="Tahoma" panose="020B0604030504040204" pitchFamily="34" charset="0"/>
-                <a:cs typeface="Tahoma" panose="020B0604030504040204" pitchFamily="34" charset="0"/>
-              </a:rPr>
-              <a:t>trace</a:t>
-            </a:r>
-            <a:r>
-              <a:rPr lang="de-DE" dirty="0">
-                <a:latin typeface="Tahoma" panose="020B0604030504040204" pitchFamily="34" charset="0"/>
-                <a:ea typeface="Tahoma" panose="020B0604030504040204" pitchFamily="34" charset="0"/>
-                <a:cs typeface="Tahoma" panose="020B0604030504040204" pitchFamily="34" charset="0"/>
-              </a:rPr>
-              <a:t> </a:t>
-            </a:r>
-            <a:r>
-              <a:rPr lang="de-DE" dirty="0" err="1">
-                <a:latin typeface="Tahoma" panose="020B0604030504040204" pitchFamily="34" charset="0"/>
-                <a:ea typeface="Tahoma" panose="020B0604030504040204" pitchFamily="34" charset="0"/>
-                <a:cs typeface="Tahoma" panose="020B0604030504040204" pitchFamily="34" charset="0"/>
-              </a:rPr>
-              <a:t>data</a:t>
-            </a:r>
-            <a:r>
-              <a:rPr lang="de-DE" dirty="0">
-                <a:latin typeface="Tahoma" panose="020B0604030504040204" pitchFamily="34" charset="0"/>
-                <a:ea typeface="Tahoma" panose="020B0604030504040204" pitchFamily="34" charset="0"/>
-                <a:cs typeface="Tahoma" panose="020B0604030504040204" pitchFamily="34" charset="0"/>
-              </a:rPr>
-              <a:t> and </a:t>
-            </a:r>
-            <a:r>
-              <a:rPr lang="de-DE" dirty="0" err="1">
-                <a:latin typeface="Tahoma" panose="020B0604030504040204" pitchFamily="34" charset="0"/>
-                <a:ea typeface="Tahoma" panose="020B0604030504040204" pitchFamily="34" charset="0"/>
-                <a:cs typeface="Tahoma" panose="020B0604030504040204" pitchFamily="34" charset="0"/>
-              </a:rPr>
-              <a:t>how</a:t>
-            </a:r>
-            <a:r>
-              <a:rPr lang="de-DE" dirty="0">
-                <a:latin typeface="Tahoma" panose="020B0604030504040204" pitchFamily="34" charset="0"/>
-                <a:ea typeface="Tahoma" panose="020B0604030504040204" pitchFamily="34" charset="0"/>
-                <a:cs typeface="Tahoma" panose="020B0604030504040204" pitchFamily="34" charset="0"/>
-              </a:rPr>
-              <a:t> do </a:t>
-            </a:r>
-            <a:r>
-              <a:rPr lang="de-DE" dirty="0" err="1">
-                <a:latin typeface="Tahoma" panose="020B0604030504040204" pitchFamily="34" charset="0"/>
-                <a:ea typeface="Tahoma" panose="020B0604030504040204" pitchFamily="34" charset="0"/>
-                <a:cs typeface="Tahoma" panose="020B0604030504040204" pitchFamily="34" charset="0"/>
-              </a:rPr>
-              <a:t>we</a:t>
-            </a:r>
-            <a:r>
-              <a:rPr lang="de-DE" dirty="0">
-                <a:latin typeface="Tahoma" panose="020B0604030504040204" pitchFamily="34" charset="0"/>
-                <a:ea typeface="Tahoma" panose="020B0604030504040204" pitchFamily="34" charset="0"/>
-                <a:cs typeface="Tahoma" panose="020B0604030504040204" pitchFamily="34" charset="0"/>
-              </a:rPr>
-              <a:t> </a:t>
-            </a:r>
-            <a:r>
-              <a:rPr lang="de-DE" dirty="0" err="1">
-                <a:latin typeface="Tahoma" panose="020B0604030504040204" pitchFamily="34" charset="0"/>
-                <a:ea typeface="Tahoma" panose="020B0604030504040204" pitchFamily="34" charset="0"/>
-                <a:cs typeface="Tahoma" panose="020B0604030504040204" pitchFamily="34" charset="0"/>
-              </a:rPr>
-              <a:t>collect</a:t>
-            </a:r>
-            <a:r>
-              <a:rPr lang="de-DE" dirty="0">
-                <a:latin typeface="Tahoma" panose="020B0604030504040204" pitchFamily="34" charset="0"/>
-                <a:ea typeface="Tahoma" panose="020B0604030504040204" pitchFamily="34" charset="0"/>
-                <a:cs typeface="Tahoma" panose="020B0604030504040204" pitchFamily="34" charset="0"/>
-              </a:rPr>
-              <a:t> </a:t>
-            </a:r>
-            <a:r>
-              <a:rPr lang="de-DE" dirty="0" err="1">
-                <a:latin typeface="Tahoma" panose="020B0604030504040204" pitchFamily="34" charset="0"/>
-                <a:ea typeface="Tahoma" panose="020B0604030504040204" pitchFamily="34" charset="0"/>
-                <a:cs typeface="Tahoma" panose="020B0604030504040204" pitchFamily="34" charset="0"/>
-              </a:rPr>
-              <a:t>it</a:t>
-            </a:r>
-            <a:r>
-              <a:rPr lang="de-DE" dirty="0">
-                <a:latin typeface="Tahoma" panose="020B0604030504040204" pitchFamily="34" charset="0"/>
-                <a:ea typeface="Tahoma" panose="020B0604030504040204" pitchFamily="34" charset="0"/>
-                <a:cs typeface="Tahoma" panose="020B0604030504040204" pitchFamily="34" charset="0"/>
-              </a:rPr>
-              <a:t>?</a:t>
-            </a:r>
-            <a:endParaRPr lang="en-US" dirty="0">
-              <a:latin typeface="Tahoma" panose="020B0604030504040204" pitchFamily="34" charset="0"/>
-              <a:ea typeface="Tahoma" panose="020B0604030504040204" pitchFamily="34" charset="0"/>
-              <a:cs typeface="Tahoma" panose="020B0604030504040204" pitchFamily="34" charset="0"/>
-            </a:endParaRPr>
+            <a:endParaRPr lang="en-US" dirty="0"/>
           </a:p>
         </p:txBody>
       </p:sp>
       <p:sp>
         <p:nvSpPr>
-          <p:cNvPr id="5" name="Subtitle 4">
+          <p:cNvPr id="3" name="Subtitle 2">
             <a:extLst>
               <a:ext uri="{FF2B5EF4-FFF2-40B4-BE49-F238E27FC236}">
-                <a16:creationId xmlns:a16="http://schemas.microsoft.com/office/drawing/2014/main" id="{82CA05FB-0161-905E-D574-A1464D308640}"/>
+                <a16:creationId xmlns:a16="http://schemas.microsoft.com/office/drawing/2014/main" id="{A4388287-DFEC-CB14-F432-A17D45A88931}"/>
               </a:ext>
             </a:extLst>
           </p:cNvPr>
@@ -3585,10 +3538,107 @@
           </a:p>
         </p:txBody>
       </p:sp>
+      <p:pic>
+        <p:nvPicPr>
+          <p:cNvPr id="5" name="Picture 4">
+            <a:extLst>
+              <a:ext uri="{FF2B5EF4-FFF2-40B4-BE49-F238E27FC236}">
+                <a16:creationId xmlns:a16="http://schemas.microsoft.com/office/drawing/2014/main" id="{E1661428-8645-9201-3A43-9724CB717B61}"/>
+              </a:ext>
+            </a:extLst>
+          </p:cNvPr>
+          <p:cNvPicPr>
+            <a:picLocks noChangeAspect="1"/>
+          </p:cNvPicPr>
+          <p:nvPr/>
+        </p:nvPicPr>
+        <p:blipFill>
+          <a:blip r:embed="rId2">
+            <a:extLst>
+              <a:ext uri="{28A0092B-C50C-407E-A947-70E740481C1C}">
+                <a14:useLocalDpi xmlns:a14="http://schemas.microsoft.com/office/drawing/2010/main" val="0"/>
+              </a:ext>
+            </a:extLst>
+          </a:blip>
+          <a:stretch>
+            <a:fillRect/>
+          </a:stretch>
+        </p:blipFill>
+        <p:spPr>
+          <a:xfrm>
+            <a:off x="0" y="-142081"/>
+            <a:ext cx="12192000" cy="9144000"/>
+          </a:xfrm>
+          <a:prstGeom prst="rect">
+            <a:avLst/>
+          </a:prstGeom>
+        </p:spPr>
+      </p:pic>
+      <p:sp>
+        <p:nvSpPr>
+          <p:cNvPr id="6" name="TextBox 5">
+            <a:extLst>
+              <a:ext uri="{FF2B5EF4-FFF2-40B4-BE49-F238E27FC236}">
+                <a16:creationId xmlns:a16="http://schemas.microsoft.com/office/drawing/2014/main" id="{09A92BC1-C3FC-ECA6-4AB2-C2E6C2B6A8C0}"/>
+              </a:ext>
+            </a:extLst>
+          </p:cNvPr>
+          <p:cNvSpPr txBox="1"/>
+          <p:nvPr/>
+        </p:nvSpPr>
+        <p:spPr>
+          <a:xfrm>
+            <a:off x="5995426" y="707122"/>
+            <a:ext cx="4414157" cy="646331"/>
+          </a:xfrm>
+          <a:prstGeom prst="rect">
+            <a:avLst/>
+          </a:prstGeom>
+          <a:noFill/>
+        </p:spPr>
+        <p:txBody>
+          <a:bodyPr wrap="none" rtlCol="0">
+            <a:spAutoFit/>
+          </a:bodyPr>
+          <a:lstStyle/>
+          <a:p>
+            <a:r>
+              <a:rPr lang="de-DE" sz="3600" dirty="0">
+                <a:solidFill>
+                  <a:schemeClr val="bg1"/>
+                </a:solidFill>
+                <a:latin typeface="Tahoma" panose="020B0604030504040204" pitchFamily="34" charset="0"/>
+                <a:ea typeface="Tahoma" panose="020B0604030504040204" pitchFamily="34" charset="0"/>
+                <a:cs typeface="Tahoma" panose="020B0604030504040204" pitchFamily="34" charset="0"/>
+              </a:rPr>
+              <a:t>SICSS Berlin</a:t>
+            </a:r>
+            <a:r>
+              <a:rPr lang="en-DE" sz="3600" dirty="0">
+                <a:solidFill>
+                  <a:schemeClr val="bg1"/>
+                </a:solidFill>
+                <a:latin typeface="Tahoma" panose="020B0604030504040204" pitchFamily="34" charset="0"/>
+                <a:ea typeface="Tahoma" panose="020B0604030504040204" pitchFamily="34" charset="0"/>
+                <a:cs typeface="Tahoma" panose="020B0604030504040204" pitchFamily="34" charset="0"/>
+              </a:rPr>
+              <a:t> – Day 2</a:t>
+            </a:r>
+            <a:endParaRPr lang="en-US" sz="3600" dirty="0">
+              <a:solidFill>
+                <a:schemeClr val="bg1"/>
+              </a:solidFill>
+              <a:latin typeface="Tahoma" panose="020B0604030504040204" pitchFamily="34" charset="0"/>
+              <a:ea typeface="Tahoma" panose="020B0604030504040204" pitchFamily="34" charset="0"/>
+              <a:cs typeface="Tahoma" panose="020B0604030504040204" pitchFamily="34" charset="0"/>
+            </a:endParaRPr>
+          </a:p>
+        </p:txBody>
+      </p:sp>
     </p:spTree>
     <p:extLst>
       <p:ext uri="{BB962C8B-B14F-4D97-AF65-F5344CB8AC3E}">
-        <p14:creationId xmlns:p14="http://schemas.microsoft.com/office/powerpoint/2010/main" val="1212198256"/>
+        <p14:creationId xmlns:p14="http://schemas.microsoft.com/office/powerpoint/2010/main" val="1328462987"/>
       </p:ext>
     </p:extLst>
   </p:cSld>
@@ -3599,6 +3649,937 @@
 </file>
 
 <file path=ppt/slides/slide10.xml><?xml version="1.0" encoding="utf-8"?>
+<p:sld xmlns:a="http://schemas.openxmlformats.org/drawingml/2006/main" xmlns:r="http://schemas.openxmlformats.org/officeDocument/2006/relationships" xmlns:p="http://schemas.openxmlformats.org/presentationml/2006/main">
+  <p:cSld>
+    <p:spTree>
+      <p:nvGrpSpPr>
+        <p:cNvPr id="1" name=""/>
+        <p:cNvGrpSpPr/>
+        <p:nvPr/>
+      </p:nvGrpSpPr>
+      <p:grpSpPr>
+        <a:xfrm>
+          <a:off x="0" y="0"/>
+          <a:ext cx="0" cy="0"/>
+          <a:chOff x="0" y="0"/>
+          <a:chExt cx="0" cy="0"/>
+        </a:xfrm>
+      </p:grpSpPr>
+      <p:sp>
+        <p:nvSpPr>
+          <p:cNvPr id="2" name="Title 1">
+            <a:extLst>
+              <a:ext uri="{FF2B5EF4-FFF2-40B4-BE49-F238E27FC236}">
+                <a16:creationId xmlns:a16="http://schemas.microsoft.com/office/drawing/2014/main" id="{B6A8452F-EC27-483A-97FE-E92F30FC027A}"/>
+              </a:ext>
+            </a:extLst>
+          </p:cNvPr>
+          <p:cNvSpPr>
+            <a:spLocks noGrp="1"/>
+          </p:cNvSpPr>
+          <p:nvPr>
+            <p:ph type="title"/>
+          </p:nvPr>
+        </p:nvSpPr>
+        <p:spPr/>
+        <p:txBody>
+          <a:bodyPr>
+            <a:normAutofit/>
+          </a:bodyPr>
+          <a:lstStyle/>
+          <a:p>
+            <a:r>
+              <a:rPr lang="en-US" sz="4000" dirty="0"/>
+              <a:t>Benefits and issues of digital trace data</a:t>
+            </a:r>
+          </a:p>
+        </p:txBody>
+      </p:sp>
+      <p:sp>
+        <p:nvSpPr>
+          <p:cNvPr id="3" name="Content Placeholder 2">
+            <a:extLst>
+              <a:ext uri="{FF2B5EF4-FFF2-40B4-BE49-F238E27FC236}">
+                <a16:creationId xmlns:a16="http://schemas.microsoft.com/office/drawing/2014/main" id="{986ED41E-9BFB-407B-90E5-E16762D84FD5}"/>
+              </a:ext>
+            </a:extLst>
+          </p:cNvPr>
+          <p:cNvSpPr>
+            <a:spLocks noGrp="1"/>
+          </p:cNvSpPr>
+          <p:nvPr>
+            <p:ph sz="half" idx="1"/>
+          </p:nvPr>
+        </p:nvSpPr>
+        <p:spPr>
+          <a:xfrm>
+            <a:off x="838200" y="1825625"/>
+            <a:ext cx="5181600" cy="2656923"/>
+          </a:xfrm>
+        </p:spPr>
+        <p:txBody>
+          <a:bodyPr numCol="1">
+            <a:normAutofit/>
+          </a:bodyPr>
+          <a:lstStyle/>
+          <a:p>
+            <a:pPr>
+              <a:lnSpc>
+                <a:spcPct val="107000"/>
+              </a:lnSpc>
+            </a:pPr>
+            <a:r>
+              <a:rPr lang="en-US" sz="2000" kern="100" dirty="0">
+                <a:solidFill>
+                  <a:srgbClr val="00B050"/>
+                </a:solidFill>
+                <a:latin typeface="+mj-lt"/>
+                <a:ea typeface="Calibri" panose="020F0502020204030204" pitchFamily="34" charset="0"/>
+                <a:cs typeface="Times New Roman" panose="02020603050405020304" pitchFamily="18" charset="0"/>
+              </a:rPr>
+              <a:t>Big (enables analysis of small differences/prevalence)</a:t>
+            </a:r>
+          </a:p>
+          <a:p>
+            <a:pPr>
+              <a:lnSpc>
+                <a:spcPct val="107000"/>
+              </a:lnSpc>
+            </a:pPr>
+            <a:r>
+              <a:rPr lang="en-US" sz="2000" kern="100" dirty="0">
+                <a:solidFill>
+                  <a:srgbClr val="00B050"/>
+                </a:solidFill>
+                <a:latin typeface="+mj-lt"/>
+                <a:ea typeface="Calibri" panose="020F0502020204030204" pitchFamily="34" charset="0"/>
+                <a:cs typeface="Times New Roman" panose="02020603050405020304" pitchFamily="18" charset="0"/>
+              </a:rPr>
+              <a:t>Always on (enable capturing of rare and surprising event</a:t>
+            </a:r>
+            <a:r>
+              <a:rPr lang="en-DE" sz="2000" kern="100" dirty="0">
+                <a:solidFill>
+                  <a:srgbClr val="00B050"/>
+                </a:solidFill>
+                <a:latin typeface="+mj-lt"/>
+                <a:ea typeface="Calibri" panose="020F0502020204030204" pitchFamily="34" charset="0"/>
+                <a:cs typeface="Times New Roman" panose="02020603050405020304" pitchFamily="18" charset="0"/>
+              </a:rPr>
+              <a:t>s</a:t>
+            </a:r>
+            <a:r>
+              <a:rPr lang="en-US" sz="2000" kern="100" dirty="0">
+                <a:solidFill>
+                  <a:srgbClr val="00B050"/>
+                </a:solidFill>
+                <a:latin typeface="+mj-lt"/>
+                <a:ea typeface="Calibri" panose="020F0502020204030204" pitchFamily="34" charset="0"/>
+                <a:cs typeface="Times New Roman" panose="02020603050405020304" pitchFamily="18" charset="0"/>
+              </a:rPr>
+              <a:t>)</a:t>
+            </a:r>
+          </a:p>
+          <a:p>
+            <a:pPr>
+              <a:lnSpc>
+                <a:spcPct val="107000"/>
+              </a:lnSpc>
+            </a:pPr>
+            <a:r>
+              <a:rPr lang="en-US" sz="2000" kern="100" dirty="0">
+                <a:solidFill>
+                  <a:srgbClr val="00B050"/>
+                </a:solidFill>
+                <a:latin typeface="+mj-lt"/>
+                <a:ea typeface="Calibri" panose="020F0502020204030204" pitchFamily="34" charset="0"/>
+                <a:cs typeface="Times New Roman" panose="02020603050405020304" pitchFamily="18" charset="0"/>
+              </a:rPr>
+              <a:t>Non-Reactive</a:t>
+            </a:r>
+          </a:p>
+          <a:p>
+            <a:pPr>
+              <a:lnSpc>
+                <a:spcPct val="107000"/>
+              </a:lnSpc>
+            </a:pPr>
+            <a:r>
+              <a:rPr lang="en-US" sz="2000" kern="100" dirty="0">
+                <a:solidFill>
+                  <a:srgbClr val="00B050"/>
+                </a:solidFill>
+                <a:latin typeface="+mj-lt"/>
+                <a:ea typeface="Calibri" panose="020F0502020204030204" pitchFamily="34" charset="0"/>
+                <a:cs typeface="Times New Roman" panose="02020603050405020304" pitchFamily="18" charset="0"/>
+              </a:rPr>
+              <a:t>Captures Social Relationships</a:t>
+            </a:r>
+          </a:p>
+          <a:p>
+            <a:pPr marL="0" indent="0">
+              <a:lnSpc>
+                <a:spcPct val="107000"/>
+              </a:lnSpc>
+              <a:buNone/>
+            </a:pPr>
+            <a:endParaRPr lang="en-DE" sz="2000" kern="100" dirty="0">
+              <a:solidFill>
+                <a:srgbClr val="00B050"/>
+              </a:solidFill>
+              <a:latin typeface="+mj-lt"/>
+              <a:ea typeface="Calibri" panose="020F0502020204030204" pitchFamily="34" charset="0"/>
+              <a:cs typeface="Times New Roman" panose="02020603050405020304" pitchFamily="18" charset="0"/>
+            </a:endParaRPr>
+          </a:p>
+        </p:txBody>
+      </p:sp>
+      <p:sp>
+        <p:nvSpPr>
+          <p:cNvPr id="4" name="Content Placeholder 3">
+            <a:extLst>
+              <a:ext uri="{FF2B5EF4-FFF2-40B4-BE49-F238E27FC236}">
+                <a16:creationId xmlns:a16="http://schemas.microsoft.com/office/drawing/2014/main" id="{9BD88958-AB94-91A9-2982-0E34EE86F98A}"/>
+              </a:ext>
+            </a:extLst>
+          </p:cNvPr>
+          <p:cNvSpPr>
+            <a:spLocks noGrp="1"/>
+          </p:cNvSpPr>
+          <p:nvPr>
+            <p:ph sz="half" idx="2"/>
+          </p:nvPr>
+        </p:nvSpPr>
+        <p:spPr>
+          <a:xfrm>
+            <a:off x="6172199" y="1825625"/>
+            <a:ext cx="5814391" cy="3750227"/>
+          </a:xfrm>
+        </p:spPr>
+        <p:txBody>
+          <a:bodyPr>
+            <a:normAutofit/>
+          </a:bodyPr>
+          <a:lstStyle/>
+          <a:p>
+            <a:pPr lvl="1">
+              <a:lnSpc>
+                <a:spcPct val="107000"/>
+              </a:lnSpc>
+            </a:pPr>
+            <a:r>
+              <a:rPr lang="en-US" sz="2000" kern="100" dirty="0">
+                <a:solidFill>
+                  <a:srgbClr val="FF0000"/>
+                </a:solidFill>
+                <a:latin typeface="+mj-lt"/>
+                <a:ea typeface="Calibri" panose="020F0502020204030204" pitchFamily="34" charset="0"/>
+                <a:cs typeface="Times New Roman" panose="02020603050405020304" pitchFamily="18" charset="0"/>
+              </a:rPr>
+              <a:t>Big (difficult to handle)</a:t>
+            </a:r>
+            <a:endParaRPr lang="en-DE" sz="2000" kern="100" dirty="0">
+              <a:solidFill>
+                <a:srgbClr val="FF0000"/>
+              </a:solidFill>
+              <a:latin typeface="+mj-lt"/>
+              <a:ea typeface="Calibri" panose="020F0502020204030204" pitchFamily="34" charset="0"/>
+              <a:cs typeface="Times New Roman" panose="02020603050405020304" pitchFamily="18" charset="0"/>
+            </a:endParaRPr>
+          </a:p>
+          <a:p>
+            <a:pPr lvl="1">
+              <a:lnSpc>
+                <a:spcPct val="107000"/>
+              </a:lnSpc>
+            </a:pPr>
+            <a:r>
+              <a:rPr lang="en-US" sz="2000" kern="100" dirty="0">
+                <a:solidFill>
+                  <a:srgbClr val="FF0000"/>
+                </a:solidFill>
+                <a:latin typeface="+mj-lt"/>
+                <a:ea typeface="Calibri" panose="020F0502020204030204" pitchFamily="34" charset="0"/>
+                <a:cs typeface="Times New Roman" panose="02020603050405020304" pitchFamily="18" charset="0"/>
+              </a:rPr>
+              <a:t>Unstructured and noisy</a:t>
+            </a:r>
+            <a:endParaRPr lang="en-DE" sz="2000" kern="100" dirty="0">
+              <a:solidFill>
+                <a:srgbClr val="FF0000"/>
+              </a:solidFill>
+              <a:latin typeface="+mj-lt"/>
+              <a:ea typeface="Calibri" panose="020F0502020204030204" pitchFamily="34" charset="0"/>
+              <a:cs typeface="Times New Roman" panose="02020603050405020304" pitchFamily="18" charset="0"/>
+            </a:endParaRPr>
+          </a:p>
+          <a:p>
+            <a:pPr lvl="1">
+              <a:lnSpc>
+                <a:spcPct val="107000"/>
+              </a:lnSpc>
+            </a:pPr>
+            <a:r>
+              <a:rPr lang="en-US" sz="2000" kern="100" dirty="0">
+                <a:solidFill>
+                  <a:srgbClr val="FF0000"/>
+                </a:solidFill>
+                <a:latin typeface="+mj-lt"/>
+                <a:ea typeface="Calibri" panose="020F0502020204030204" pitchFamily="34" charset="0"/>
+                <a:cs typeface="Times New Roman" panose="02020603050405020304" pitchFamily="18" charset="0"/>
+              </a:rPr>
+              <a:t>Incomplete (e.g., demographic info</a:t>
+            </a:r>
+            <a:r>
+              <a:rPr lang="en-DE" sz="2000" kern="100" dirty="0">
+                <a:solidFill>
+                  <a:srgbClr val="FF0000"/>
+                </a:solidFill>
+                <a:latin typeface="+mj-lt"/>
+                <a:ea typeface="Calibri" panose="020F0502020204030204" pitchFamily="34" charset="0"/>
+                <a:cs typeface="Times New Roman" panose="02020603050405020304" pitchFamily="18" charset="0"/>
+              </a:rPr>
+              <a:t>)</a:t>
+            </a:r>
+            <a:endParaRPr lang="en-US" sz="2000" kern="100" dirty="0">
+              <a:solidFill>
+                <a:srgbClr val="FF0000"/>
+              </a:solidFill>
+              <a:latin typeface="+mj-lt"/>
+              <a:ea typeface="Calibri" panose="020F0502020204030204" pitchFamily="34" charset="0"/>
+              <a:cs typeface="Times New Roman" panose="02020603050405020304" pitchFamily="18" charset="0"/>
+            </a:endParaRPr>
+          </a:p>
+          <a:p>
+            <a:pPr lvl="1">
+              <a:lnSpc>
+                <a:spcPct val="107000"/>
+              </a:lnSpc>
+            </a:pPr>
+            <a:r>
+              <a:rPr lang="en-US" sz="2000" kern="100" dirty="0">
+                <a:solidFill>
+                  <a:srgbClr val="FF0000"/>
+                </a:solidFill>
+                <a:latin typeface="+mj-lt"/>
+                <a:ea typeface="Calibri" panose="020F0502020204030204" pitchFamily="34" charset="0"/>
+                <a:cs typeface="Times New Roman" panose="02020603050405020304" pitchFamily="18" charset="0"/>
+              </a:rPr>
+              <a:t>Non-Representative</a:t>
+            </a:r>
+            <a:r>
+              <a:rPr lang="en-DE" sz="2000" kern="100" dirty="0">
+                <a:solidFill>
+                  <a:srgbClr val="FF0000"/>
+                </a:solidFill>
+                <a:latin typeface="+mj-lt"/>
+                <a:ea typeface="Calibri" panose="020F0502020204030204" pitchFamily="34" charset="0"/>
+                <a:cs typeface="Times New Roman" panose="02020603050405020304" pitchFamily="18" charset="0"/>
+              </a:rPr>
+              <a:t> (not a random sample)</a:t>
+            </a:r>
+          </a:p>
+          <a:p>
+            <a:pPr lvl="1">
+              <a:lnSpc>
+                <a:spcPct val="107000"/>
+              </a:lnSpc>
+            </a:pPr>
+            <a:r>
+              <a:rPr lang="en-US" sz="2000" kern="100" dirty="0">
+                <a:solidFill>
+                  <a:srgbClr val="FF0000"/>
+                </a:solidFill>
+                <a:latin typeface="+mj-lt"/>
+                <a:ea typeface="Calibri" panose="020F0502020204030204" pitchFamily="34" charset="0"/>
+                <a:cs typeface="Times New Roman" panose="02020603050405020304" pitchFamily="18" charset="0"/>
+              </a:rPr>
+              <a:t>Biases depending on platform</a:t>
+            </a:r>
+            <a:endParaRPr lang="en-DE" sz="2000" kern="100" dirty="0">
+              <a:solidFill>
+                <a:srgbClr val="FF0000"/>
+              </a:solidFill>
+              <a:latin typeface="+mj-lt"/>
+              <a:ea typeface="Calibri" panose="020F0502020204030204" pitchFamily="34" charset="0"/>
+              <a:cs typeface="Times New Roman" panose="02020603050405020304" pitchFamily="18" charset="0"/>
+            </a:endParaRPr>
+          </a:p>
+          <a:p>
+            <a:pPr lvl="1">
+              <a:lnSpc>
+                <a:spcPct val="107000"/>
+              </a:lnSpc>
+            </a:pPr>
+            <a:r>
+              <a:rPr lang="en-DE" sz="2000" kern="100" dirty="0">
+                <a:solidFill>
+                  <a:srgbClr val="FF0000"/>
+                </a:solidFill>
+                <a:latin typeface="+mj-lt"/>
+                <a:ea typeface="Calibri" panose="020F0502020204030204" pitchFamily="34" charset="0"/>
+                <a:cs typeface="Times New Roman" panose="02020603050405020304" pitchFamily="18" charset="0"/>
+              </a:rPr>
+              <a:t>Privacy</a:t>
+            </a:r>
+            <a:r>
+              <a:rPr lang="en-US" sz="2000" kern="100" dirty="0">
+                <a:solidFill>
+                  <a:srgbClr val="FF0000"/>
+                </a:solidFill>
+                <a:latin typeface="+mj-lt"/>
+                <a:ea typeface="Calibri" panose="020F0502020204030204" pitchFamily="34" charset="0"/>
+                <a:cs typeface="Times New Roman" panose="02020603050405020304" pitchFamily="18" charset="0"/>
+              </a:rPr>
+              <a:t>, security, and ethical </a:t>
+            </a:r>
+            <a:r>
+              <a:rPr lang="en-DE" sz="2000" kern="100" dirty="0">
+                <a:solidFill>
+                  <a:srgbClr val="FF0000"/>
+                </a:solidFill>
+                <a:latin typeface="+mj-lt"/>
+                <a:ea typeface="Calibri" panose="020F0502020204030204" pitchFamily="34" charset="0"/>
+                <a:cs typeface="Times New Roman" panose="02020603050405020304" pitchFamily="18" charset="0"/>
+              </a:rPr>
+              <a:t>concerns</a:t>
+            </a:r>
+            <a:endParaRPr lang="en-US" sz="2000" kern="100" dirty="0">
+              <a:solidFill>
+                <a:srgbClr val="FF0000"/>
+              </a:solidFill>
+              <a:latin typeface="+mj-lt"/>
+              <a:ea typeface="Calibri" panose="020F0502020204030204" pitchFamily="34" charset="0"/>
+              <a:cs typeface="Times New Roman" panose="02020603050405020304" pitchFamily="18" charset="0"/>
+            </a:endParaRPr>
+          </a:p>
+          <a:p>
+            <a:pPr lvl="1">
+              <a:lnSpc>
+                <a:spcPct val="107000"/>
+              </a:lnSpc>
+            </a:pPr>
+            <a:r>
+              <a:rPr lang="en-US" sz="2000" kern="100" dirty="0">
+                <a:solidFill>
+                  <a:srgbClr val="FF0000"/>
+                </a:solidFill>
+                <a:latin typeface="+mj-lt"/>
+                <a:ea typeface="Calibri" panose="020F0502020204030204" pitchFamily="34" charset="0"/>
+                <a:cs typeface="Times New Roman" panose="02020603050405020304" pitchFamily="18" charset="0"/>
+              </a:rPr>
+              <a:t>Algorithmic Confounding</a:t>
+            </a:r>
+            <a:endParaRPr lang="en-DE" sz="2000" kern="100" dirty="0">
+              <a:solidFill>
+                <a:srgbClr val="FF0000"/>
+              </a:solidFill>
+              <a:latin typeface="+mj-lt"/>
+              <a:ea typeface="Calibri" panose="020F0502020204030204" pitchFamily="34" charset="0"/>
+              <a:cs typeface="Times New Roman" panose="02020603050405020304" pitchFamily="18" charset="0"/>
+            </a:endParaRPr>
+          </a:p>
+          <a:p>
+            <a:pPr lvl="1">
+              <a:lnSpc>
+                <a:spcPct val="107000"/>
+              </a:lnSpc>
+            </a:pPr>
+            <a:r>
+              <a:rPr lang="en-DE" sz="2000" kern="100" dirty="0">
+                <a:solidFill>
+                  <a:srgbClr val="FF0000"/>
+                </a:solidFill>
+                <a:latin typeface="+mj-lt"/>
+                <a:ea typeface="Calibri" panose="020F0502020204030204" pitchFamily="34" charset="0"/>
+                <a:cs typeface="Times New Roman" panose="02020603050405020304" pitchFamily="18" charset="0"/>
+              </a:rPr>
+              <a:t>Fake data (?)</a:t>
+            </a:r>
+            <a:endParaRPr lang="en-US" sz="2000" kern="100" dirty="0">
+              <a:solidFill>
+                <a:srgbClr val="FF0000"/>
+              </a:solidFill>
+              <a:latin typeface="+mj-lt"/>
+              <a:ea typeface="Calibri" panose="020F0502020204030204" pitchFamily="34" charset="0"/>
+              <a:cs typeface="Times New Roman" panose="02020603050405020304" pitchFamily="18" charset="0"/>
+            </a:endParaRPr>
+          </a:p>
+        </p:txBody>
+      </p:sp>
+      <p:sp>
+        <p:nvSpPr>
+          <p:cNvPr id="6" name="TextBox 5">
+            <a:extLst>
+              <a:ext uri="{FF2B5EF4-FFF2-40B4-BE49-F238E27FC236}">
+                <a16:creationId xmlns:a16="http://schemas.microsoft.com/office/drawing/2014/main" id="{A1791F26-A278-7001-3015-341C1FD6F8B1}"/>
+              </a:ext>
+            </a:extLst>
+          </p:cNvPr>
+          <p:cNvSpPr txBox="1"/>
+          <p:nvPr/>
+        </p:nvSpPr>
+        <p:spPr>
+          <a:xfrm>
+            <a:off x="4810953" y="5948439"/>
+            <a:ext cx="2417694" cy="457048"/>
+          </a:xfrm>
+          <a:prstGeom prst="rect">
+            <a:avLst/>
+          </a:prstGeom>
+          <a:noFill/>
+        </p:spPr>
+        <p:txBody>
+          <a:bodyPr wrap="square">
+            <a:spAutoFit/>
+          </a:bodyPr>
+          <a:lstStyle/>
+          <a:p>
+            <a:pPr lvl="1">
+              <a:lnSpc>
+                <a:spcPct val="107000"/>
+              </a:lnSpc>
+              <a:spcAft>
+                <a:spcPts val="800"/>
+              </a:spcAft>
+            </a:pPr>
+            <a:r>
+              <a:rPr lang="en-DE" sz="2400" kern="100" dirty="0">
+                <a:solidFill>
+                  <a:srgbClr val="FFC000"/>
+                </a:solidFill>
+                <a:latin typeface="+mj-lt"/>
+                <a:ea typeface="Calibri" panose="020F0502020204030204" pitchFamily="34" charset="0"/>
+                <a:cs typeface="Times New Roman" panose="02020603050405020304" pitchFamily="18" charset="0"/>
+              </a:rPr>
+              <a:t>Accessibility</a:t>
+            </a:r>
+            <a:endParaRPr lang="en-US" sz="2400" dirty="0">
+              <a:solidFill>
+                <a:srgbClr val="FFC000"/>
+              </a:solidFill>
+              <a:latin typeface="+mj-lt"/>
+            </a:endParaRPr>
+          </a:p>
+        </p:txBody>
+      </p:sp>
+    </p:spTree>
+    <p:extLst>
+      <p:ext uri="{BB962C8B-B14F-4D97-AF65-F5344CB8AC3E}">
+        <p14:creationId xmlns:p14="http://schemas.microsoft.com/office/powerpoint/2010/main" val="3147069802"/>
+      </p:ext>
+    </p:extLst>
+  </p:cSld>
+  <p:clrMapOvr>
+    <a:masterClrMapping/>
+  </p:clrMapOvr>
+</p:sld>
+</file>
+
+<file path=ppt/slides/slide11.xml><?xml version="1.0" encoding="utf-8"?>
+<p:sld xmlns:a="http://schemas.openxmlformats.org/drawingml/2006/main" xmlns:r="http://schemas.openxmlformats.org/officeDocument/2006/relationships" xmlns:p="http://schemas.openxmlformats.org/presentationml/2006/main">
+  <p:cSld>
+    <p:spTree>
+      <p:nvGrpSpPr>
+        <p:cNvPr id="1" name=""/>
+        <p:cNvGrpSpPr/>
+        <p:nvPr/>
+      </p:nvGrpSpPr>
+      <p:grpSpPr>
+        <a:xfrm>
+          <a:off x="0" y="0"/>
+          <a:ext cx="0" cy="0"/>
+          <a:chOff x="0" y="0"/>
+          <a:chExt cx="0" cy="0"/>
+        </a:xfrm>
+      </p:grpSpPr>
+      <p:sp>
+        <p:nvSpPr>
+          <p:cNvPr id="2" name="Title 1">
+            <a:extLst>
+              <a:ext uri="{FF2B5EF4-FFF2-40B4-BE49-F238E27FC236}">
+                <a16:creationId xmlns:a16="http://schemas.microsoft.com/office/drawing/2014/main" id="{92B454F4-9607-4D33-87E7-635C3C7927E2}"/>
+              </a:ext>
+            </a:extLst>
+          </p:cNvPr>
+          <p:cNvSpPr>
+            <a:spLocks noGrp="1"/>
+          </p:cNvSpPr>
+          <p:nvPr>
+            <p:ph type="title"/>
+          </p:nvPr>
+        </p:nvSpPr>
+        <p:spPr/>
+        <p:txBody>
+          <a:bodyPr/>
+          <a:lstStyle/>
+          <a:p>
+            <a:r>
+              <a:rPr lang="en-US" dirty="0"/>
+              <a:t>Collecting digital trace data</a:t>
+            </a:r>
+          </a:p>
+        </p:txBody>
+      </p:sp>
+      <p:sp>
+        <p:nvSpPr>
+          <p:cNvPr id="3" name="Content Placeholder 2">
+            <a:extLst>
+              <a:ext uri="{FF2B5EF4-FFF2-40B4-BE49-F238E27FC236}">
+                <a16:creationId xmlns:a16="http://schemas.microsoft.com/office/drawing/2014/main" id="{5928F40F-FB72-48E3-883A-02C921ED1B5E}"/>
+              </a:ext>
+            </a:extLst>
+          </p:cNvPr>
+          <p:cNvSpPr>
+            <a:spLocks noGrp="1"/>
+          </p:cNvSpPr>
+          <p:nvPr>
+            <p:ph idx="1"/>
+          </p:nvPr>
+        </p:nvSpPr>
+        <p:spPr/>
+        <p:txBody>
+          <a:bodyPr/>
+          <a:lstStyle/>
+          <a:p>
+            <a:r>
+              <a:rPr lang="en-US" dirty="0"/>
+              <a:t>Our focus: Textual data</a:t>
+            </a:r>
+          </a:p>
+          <a:p>
+            <a:r>
+              <a:rPr lang="en-US" dirty="0"/>
+              <a:t>Two main ways of collecting text data online:</a:t>
+            </a:r>
+          </a:p>
+        </p:txBody>
+      </p:sp>
+      <p:sp>
+        <p:nvSpPr>
+          <p:cNvPr id="6" name="Rectangle 5">
+            <a:extLst>
+              <a:ext uri="{FF2B5EF4-FFF2-40B4-BE49-F238E27FC236}">
+                <a16:creationId xmlns:a16="http://schemas.microsoft.com/office/drawing/2014/main" id="{3F94C56A-6429-F394-7CC6-B4866C193E44}"/>
+              </a:ext>
+            </a:extLst>
+          </p:cNvPr>
+          <p:cNvSpPr/>
+          <p:nvPr/>
+        </p:nvSpPr>
+        <p:spPr>
+          <a:xfrm>
+            <a:off x="1639453" y="3429000"/>
+            <a:ext cx="3325091" cy="2308324"/>
+          </a:xfrm>
+          <a:prstGeom prst="rect">
+            <a:avLst/>
+          </a:prstGeom>
+        </p:spPr>
+        <p:style>
+          <a:lnRef idx="2">
+            <a:schemeClr val="dk1">
+              <a:shade val="15000"/>
+            </a:schemeClr>
+          </a:lnRef>
+          <a:fillRef idx="1">
+            <a:schemeClr val="dk1"/>
+          </a:fillRef>
+          <a:effectRef idx="0">
+            <a:schemeClr val="dk1"/>
+          </a:effectRef>
+          <a:fontRef idx="minor">
+            <a:schemeClr val="lt1"/>
+          </a:fontRef>
+        </p:style>
+        <p:txBody>
+          <a:bodyPr rtlCol="0" anchor="ctr"/>
+          <a:lstStyle/>
+          <a:p>
+            <a:pPr algn="ctr"/>
+            <a:r>
+              <a:rPr lang="en-DE" sz="8000" dirty="0"/>
+              <a:t>API</a:t>
+            </a:r>
+            <a:endParaRPr lang="en-US" sz="8000" dirty="0"/>
+          </a:p>
+        </p:txBody>
+      </p:sp>
+      <p:sp>
+        <p:nvSpPr>
+          <p:cNvPr id="7" name="Rectangle 6">
+            <a:extLst>
+              <a:ext uri="{FF2B5EF4-FFF2-40B4-BE49-F238E27FC236}">
+                <a16:creationId xmlns:a16="http://schemas.microsoft.com/office/drawing/2014/main" id="{87369C43-33B2-2AF6-31A9-9C05611AC370}"/>
+              </a:ext>
+            </a:extLst>
+          </p:cNvPr>
+          <p:cNvSpPr/>
+          <p:nvPr/>
+        </p:nvSpPr>
+        <p:spPr>
+          <a:xfrm>
+            <a:off x="7227457" y="3429000"/>
+            <a:ext cx="3325091" cy="2308324"/>
+          </a:xfrm>
+          <a:prstGeom prst="rect">
+            <a:avLst/>
+          </a:prstGeom>
+        </p:spPr>
+        <p:style>
+          <a:lnRef idx="2">
+            <a:schemeClr val="dk1">
+              <a:shade val="15000"/>
+            </a:schemeClr>
+          </a:lnRef>
+          <a:fillRef idx="1">
+            <a:schemeClr val="dk1"/>
+          </a:fillRef>
+          <a:effectRef idx="0">
+            <a:schemeClr val="dk1"/>
+          </a:effectRef>
+          <a:fontRef idx="minor">
+            <a:schemeClr val="lt1"/>
+          </a:fontRef>
+        </p:style>
+        <p:txBody>
+          <a:bodyPr rtlCol="0" anchor="ctr"/>
+          <a:lstStyle/>
+          <a:p>
+            <a:pPr algn="ctr"/>
+            <a:r>
+              <a:rPr lang="en-DE" sz="4800" dirty="0"/>
+              <a:t>Web</a:t>
+            </a:r>
+          </a:p>
+          <a:p>
+            <a:pPr algn="ctr"/>
+            <a:r>
+              <a:rPr lang="en-DE" sz="4800" dirty="0"/>
+              <a:t>scraping</a:t>
+            </a:r>
+            <a:endParaRPr lang="en-US" sz="4800" dirty="0"/>
+          </a:p>
+        </p:txBody>
+      </p:sp>
+    </p:spTree>
+    <p:extLst>
+      <p:ext uri="{BB962C8B-B14F-4D97-AF65-F5344CB8AC3E}">
+        <p14:creationId xmlns:p14="http://schemas.microsoft.com/office/powerpoint/2010/main" val="1278754616"/>
+      </p:ext>
+    </p:extLst>
+  </p:cSld>
+  <p:clrMapOvr>
+    <a:masterClrMapping/>
+  </p:clrMapOvr>
+  <p:timing>
+    <p:tnLst>
+      <p:par>
+        <p:cTn id="1" dur="indefinite" restart="never" nodeType="tmRoot">
+          <p:childTnLst>
+            <p:seq concurrent="1" nextAc="seek">
+              <p:cTn id="2" dur="indefinite" nodeType="mainSeq">
+                <p:childTnLst>
+                  <p:par>
+                    <p:cTn id="3" fill="hold">
+                      <p:stCondLst>
+                        <p:cond delay="indefinite"/>
+                      </p:stCondLst>
+                      <p:childTnLst>
+                        <p:par>
+                          <p:cTn id="4" fill="hold">
+                            <p:stCondLst>
+                              <p:cond delay="0"/>
+                            </p:stCondLst>
+                            <p:childTnLst>
+                              <p:par>
+                                <p:cTn id="5" presetID="1" presetClass="entr" presetSubtype="0" fill="hold" nodeType="clickEffect">
+                                  <p:stCondLst>
+                                    <p:cond delay="0"/>
+                                  </p:stCondLst>
+                                  <p:childTnLst>
+                                    <p:set>
+                                      <p:cBhvr>
+                                        <p:cTn id="6" dur="1" fill="hold">
+                                          <p:stCondLst>
+                                            <p:cond delay="0"/>
+                                          </p:stCondLst>
+                                        </p:cTn>
+                                        <p:tgtEl>
+                                          <p:spTgt spid="3">
+                                            <p:txEl>
+                                              <p:pRg st="0" end="0"/>
+                                            </p:txEl>
+                                          </p:spTgt>
+                                        </p:tgtEl>
+                                        <p:attrNameLst>
+                                          <p:attrName>style.visibility</p:attrName>
+                                        </p:attrNameLst>
+                                      </p:cBhvr>
+                                      <p:to>
+                                        <p:strVal val="visible"/>
+                                      </p:to>
+                                    </p:set>
+                                  </p:childTnLst>
+                                </p:cTn>
+                              </p:par>
+                            </p:childTnLst>
+                          </p:cTn>
+                        </p:par>
+                      </p:childTnLst>
+                    </p:cTn>
+                  </p:par>
+                  <p:par>
+                    <p:cTn id="7" fill="hold">
+                      <p:stCondLst>
+                        <p:cond delay="indefinite"/>
+                      </p:stCondLst>
+                      <p:childTnLst>
+                        <p:par>
+                          <p:cTn id="8" fill="hold">
+                            <p:stCondLst>
+                              <p:cond delay="0"/>
+                            </p:stCondLst>
+                            <p:childTnLst>
+                              <p:par>
+                                <p:cTn id="9" presetID="1" presetClass="entr" presetSubtype="0" fill="hold" nodeType="clickEffect">
+                                  <p:stCondLst>
+                                    <p:cond delay="0"/>
+                                  </p:stCondLst>
+                                  <p:childTnLst>
+                                    <p:set>
+                                      <p:cBhvr>
+                                        <p:cTn id="10" dur="1" fill="hold">
+                                          <p:stCondLst>
+                                            <p:cond delay="0"/>
+                                          </p:stCondLst>
+                                        </p:cTn>
+                                        <p:tgtEl>
+                                          <p:spTgt spid="3">
+                                            <p:txEl>
+                                              <p:pRg st="1" end="1"/>
+                                            </p:txEl>
+                                          </p:spTgt>
+                                        </p:tgtEl>
+                                        <p:attrNameLst>
+                                          <p:attrName>style.visibility</p:attrName>
+                                        </p:attrNameLst>
+                                      </p:cBhvr>
+                                      <p:to>
+                                        <p:strVal val="visible"/>
+                                      </p:to>
+                                    </p:set>
+                                  </p:childTnLst>
+                                </p:cTn>
+                              </p:par>
+                            </p:childTnLst>
+                          </p:cTn>
+                        </p:par>
+                      </p:childTnLst>
+                    </p:cTn>
+                  </p:par>
+                  <p:par>
+                    <p:cTn id="11" fill="hold">
+                      <p:stCondLst>
+                        <p:cond delay="indefinite"/>
+                      </p:stCondLst>
+                      <p:childTnLst>
+                        <p:par>
+                          <p:cTn id="12" fill="hold">
+                            <p:stCondLst>
+                              <p:cond delay="0"/>
+                            </p:stCondLst>
+                            <p:childTnLst>
+                              <p:par>
+                                <p:cTn id="13" presetID="1" presetClass="entr" presetSubtype="0" fill="hold" grpId="0" nodeType="clickEffect">
+                                  <p:stCondLst>
+                                    <p:cond delay="0"/>
+                                  </p:stCondLst>
+                                  <p:childTnLst>
+                                    <p:set>
+                                      <p:cBhvr>
+                                        <p:cTn id="14" dur="1" fill="hold">
+                                          <p:stCondLst>
+                                            <p:cond delay="0"/>
+                                          </p:stCondLst>
+                                        </p:cTn>
+                                        <p:tgtEl>
+                                          <p:spTgt spid="7"/>
+                                        </p:tgtEl>
+                                        <p:attrNameLst>
+                                          <p:attrName>style.visibility</p:attrName>
+                                        </p:attrNameLst>
+                                      </p:cBhvr>
+                                      <p:to>
+                                        <p:strVal val="visible"/>
+                                      </p:to>
+                                    </p:set>
+                                  </p:childTnLst>
+                                </p:cTn>
+                              </p:par>
+                              <p:par>
+                                <p:cTn id="15" presetID="1" presetClass="entr" presetSubtype="0" fill="hold" grpId="0" nodeType="withEffect">
+                                  <p:stCondLst>
+                                    <p:cond delay="0"/>
+                                  </p:stCondLst>
+                                  <p:childTnLst>
+                                    <p:set>
+                                      <p:cBhvr>
+                                        <p:cTn id="16" dur="1" fill="hold">
+                                          <p:stCondLst>
+                                            <p:cond delay="0"/>
+                                          </p:stCondLst>
+                                        </p:cTn>
+                                        <p:tgtEl>
+                                          <p:spTgt spid="6"/>
+                                        </p:tgtEl>
+                                        <p:attrNameLst>
+                                          <p:attrName>style.visibility</p:attrName>
+                                        </p:attrNameLst>
+                                      </p:cBhvr>
+                                      <p:to>
+                                        <p:strVal val="visible"/>
+                                      </p:to>
+                                    </p:set>
+                                  </p:childTnLst>
+                                </p:cTn>
+                              </p:par>
+                            </p:childTnLst>
+                          </p:cTn>
+                        </p:par>
+                      </p:childTnLst>
+                    </p:cTn>
+                  </p:par>
+                </p:childTnLst>
+              </p:cTn>
+              <p:prevCondLst>
+                <p:cond evt="onPrev" delay="0">
+                  <p:tgtEl>
+                    <p:sldTgt/>
+                  </p:tgtEl>
+                </p:cond>
+              </p:prevCondLst>
+              <p:nextCondLst>
+                <p:cond evt="onNext" delay="0">
+                  <p:tgtEl>
+                    <p:sldTgt/>
+                  </p:tgtEl>
+                </p:cond>
+              </p:nextCondLst>
+            </p:seq>
+          </p:childTnLst>
+        </p:cTn>
+      </p:par>
+    </p:tnLst>
+    <p:bldLst>
+      <p:bldP spid="6" grpId="0" animBg="1"/>
+      <p:bldP spid="7" grpId="0" animBg="1"/>
+    </p:bldLst>
+  </p:timing>
+</p:sld>
+</file>
+
+<file path=ppt/slides/slide12.xml><?xml version="1.0" encoding="utf-8"?>
 <p:sld xmlns:a="http://schemas.openxmlformats.org/drawingml/2006/main" xmlns:r="http://schemas.openxmlformats.org/officeDocument/2006/relationships" xmlns:p="http://schemas.openxmlformats.org/presentationml/2006/main">
   <p:cSld>
     <p:spTree>
@@ -3681,7 +4662,7 @@
 </p:sld>
 </file>
 
-<file path=ppt/slides/slide11.xml><?xml version="1.0" encoding="utf-8"?>
+<file path=ppt/slides/slide13.xml><?xml version="1.0" encoding="utf-8"?>
 <p:sld xmlns:a="http://schemas.openxmlformats.org/drawingml/2006/main" xmlns:r="http://schemas.openxmlformats.org/officeDocument/2006/relationships" xmlns:p="http://schemas.openxmlformats.org/presentationml/2006/main">
   <p:cSld>
     <p:spTree>
@@ -3983,7 +4964,7 @@
 </p:sld>
 </file>
 
-<file path=ppt/slides/slide12.xml><?xml version="1.0" encoding="utf-8"?>
+<file path=ppt/slides/slide14.xml><?xml version="1.0" encoding="utf-8"?>
 <p:sld xmlns:a="http://schemas.openxmlformats.org/drawingml/2006/main" xmlns:r="http://schemas.openxmlformats.org/officeDocument/2006/relationships" xmlns:p="http://schemas.openxmlformats.org/presentationml/2006/main">
   <p:cSld>
     <p:spTree>
@@ -4088,7 +5069,7 @@
 </p:sld>
 </file>
 
-<file path=ppt/slides/slide13.xml><?xml version="1.0" encoding="utf-8"?>
+<file path=ppt/slides/slide15.xml><?xml version="1.0" encoding="utf-8"?>
 <p:sld xmlns:a="http://schemas.openxmlformats.org/drawingml/2006/main" xmlns:r="http://schemas.openxmlformats.org/officeDocument/2006/relationships" xmlns:p="http://schemas.openxmlformats.org/presentationml/2006/main">
   <p:cSld>
     <p:spTree>
@@ -4326,7 +5307,7 @@
 </p:sld>
 </file>
 
-<file path=ppt/slides/slide14.xml><?xml version="1.0" encoding="utf-8"?>
+<file path=ppt/slides/slide16.xml><?xml version="1.0" encoding="utf-8"?>
 <p:sld xmlns:a="http://schemas.openxmlformats.org/drawingml/2006/main" xmlns:r="http://schemas.openxmlformats.org/officeDocument/2006/relationships" xmlns:p="http://schemas.openxmlformats.org/presentationml/2006/main">
   <p:cSld>
     <p:spTree>
@@ -5278,7 +6259,7 @@
 </p:sld>
 </file>
 
-<file path=ppt/slides/slide15.xml><?xml version="1.0" encoding="utf-8"?>
+<file path=ppt/slides/slide17.xml><?xml version="1.0" encoding="utf-8"?>
 <p:sld xmlns:a="http://schemas.openxmlformats.org/drawingml/2006/main" xmlns:r="http://schemas.openxmlformats.org/officeDocument/2006/relationships" xmlns:p="http://schemas.openxmlformats.org/presentationml/2006/main">
   <p:cSld>
     <p:spTree>
@@ -5726,7 +6707,7 @@
 </p:sld>
 </file>
 
-<file path=ppt/slides/slide16.xml><?xml version="1.0" encoding="utf-8"?>
+<file path=ppt/slides/slide18.xml><?xml version="1.0" encoding="utf-8"?>
 <p:sld xmlns:a="http://schemas.openxmlformats.org/drawingml/2006/main" xmlns:r="http://schemas.openxmlformats.org/officeDocument/2006/relationships" xmlns:p="http://schemas.openxmlformats.org/presentationml/2006/main">
   <p:cSld>
     <p:spTree>
@@ -5999,7 +6980,7 @@
 </p:sld>
 </file>
 
-<file path=ppt/slides/slide17.xml><?xml version="1.0" encoding="utf-8"?>
+<file path=ppt/slides/slide19.xml><?xml version="1.0" encoding="utf-8"?>
 <p:sld xmlns:a="http://schemas.openxmlformats.org/drawingml/2006/main" xmlns:r="http://schemas.openxmlformats.org/officeDocument/2006/relationships" xmlns:p="http://schemas.openxmlformats.org/presentationml/2006/main">
   <p:cSld>
     <p:spTree>
@@ -6115,11 +7096,7 @@
           <a:p>
             <a:r>
               <a:rPr lang="en-DE" dirty="0"/>
-              <a:t>C</a:t>
-            </a:r>
-            <a:r>
-              <a:rPr lang="en-US" dirty="0" err="1"/>
-              <a:t>lient</a:t>
+              <a:t>Client</a:t>
             </a:r>
             <a:r>
               <a:rPr lang="en-US" dirty="0"/>
@@ -6373,7 +7350,221 @@
 </p:sld>
 </file>
 
-<file path=ppt/slides/slide18.xml><?xml version="1.0" encoding="utf-8"?>
+<file path=ppt/slides/slide2.xml><?xml version="1.0" encoding="utf-8"?>
+<p:sld xmlns:a="http://schemas.openxmlformats.org/drawingml/2006/main" xmlns:r="http://schemas.openxmlformats.org/officeDocument/2006/relationships" xmlns:p="http://schemas.openxmlformats.org/presentationml/2006/main">
+  <p:cSld>
+    <p:spTree>
+      <p:nvGrpSpPr>
+        <p:cNvPr id="1" name=""/>
+        <p:cNvGrpSpPr/>
+        <p:nvPr/>
+      </p:nvGrpSpPr>
+      <p:grpSpPr>
+        <a:xfrm>
+          <a:off x="0" y="0"/>
+          <a:ext cx="0" cy="0"/>
+          <a:chOff x="0" y="0"/>
+          <a:chExt cx="0" cy="0"/>
+        </a:xfrm>
+      </p:grpSpPr>
+      <p:sp>
+        <p:nvSpPr>
+          <p:cNvPr id="4" name="Title 3">
+            <a:extLst>
+              <a:ext uri="{FF2B5EF4-FFF2-40B4-BE49-F238E27FC236}">
+                <a16:creationId xmlns:a16="http://schemas.microsoft.com/office/drawing/2014/main" id="{53C34C76-48A5-7C05-F987-1DAC4B58F98F}"/>
+              </a:ext>
+            </a:extLst>
+          </p:cNvPr>
+          <p:cNvSpPr>
+            <a:spLocks noGrp="1"/>
+          </p:cNvSpPr>
+          <p:nvPr>
+            <p:ph type="ctrTitle"/>
+          </p:nvPr>
+        </p:nvSpPr>
+        <p:spPr/>
+        <p:txBody>
+          <a:bodyPr>
+            <a:normAutofit/>
+          </a:bodyPr>
+          <a:lstStyle/>
+          <a:p>
+            <a:r>
+              <a:rPr lang="de-DE" dirty="0" err="1">
+                <a:latin typeface="Tahoma" panose="020B0604030504040204" pitchFamily="34" charset="0"/>
+                <a:ea typeface="Tahoma" panose="020B0604030504040204" pitchFamily="34" charset="0"/>
+                <a:cs typeface="Tahoma" panose="020B0604030504040204" pitchFamily="34" charset="0"/>
+              </a:rPr>
+              <a:t>What</a:t>
+            </a:r>
+            <a:r>
+              <a:rPr lang="de-DE" dirty="0">
+                <a:latin typeface="Tahoma" panose="020B0604030504040204" pitchFamily="34" charset="0"/>
+                <a:ea typeface="Tahoma" panose="020B0604030504040204" pitchFamily="34" charset="0"/>
+                <a:cs typeface="Tahoma" panose="020B0604030504040204" pitchFamily="34" charset="0"/>
+              </a:rPr>
+              <a:t> </a:t>
+            </a:r>
+            <a:r>
+              <a:rPr lang="de-DE" dirty="0" err="1">
+                <a:latin typeface="Tahoma" panose="020B0604030504040204" pitchFamily="34" charset="0"/>
+                <a:ea typeface="Tahoma" panose="020B0604030504040204" pitchFamily="34" charset="0"/>
+                <a:cs typeface="Tahoma" panose="020B0604030504040204" pitchFamily="34" charset="0"/>
+              </a:rPr>
+              <a:t>is</a:t>
+            </a:r>
+            <a:r>
+              <a:rPr lang="de-DE" dirty="0">
+                <a:latin typeface="Tahoma" panose="020B0604030504040204" pitchFamily="34" charset="0"/>
+                <a:ea typeface="Tahoma" panose="020B0604030504040204" pitchFamily="34" charset="0"/>
+                <a:cs typeface="Tahoma" panose="020B0604030504040204" pitchFamily="34" charset="0"/>
+              </a:rPr>
+              <a:t> digital </a:t>
+            </a:r>
+            <a:r>
+              <a:rPr lang="de-DE" dirty="0" err="1">
+                <a:latin typeface="Tahoma" panose="020B0604030504040204" pitchFamily="34" charset="0"/>
+                <a:ea typeface="Tahoma" panose="020B0604030504040204" pitchFamily="34" charset="0"/>
+                <a:cs typeface="Tahoma" panose="020B0604030504040204" pitchFamily="34" charset="0"/>
+              </a:rPr>
+              <a:t>trace</a:t>
+            </a:r>
+            <a:r>
+              <a:rPr lang="de-DE" dirty="0">
+                <a:latin typeface="Tahoma" panose="020B0604030504040204" pitchFamily="34" charset="0"/>
+                <a:ea typeface="Tahoma" panose="020B0604030504040204" pitchFamily="34" charset="0"/>
+                <a:cs typeface="Tahoma" panose="020B0604030504040204" pitchFamily="34" charset="0"/>
+              </a:rPr>
+              <a:t> </a:t>
+            </a:r>
+            <a:r>
+              <a:rPr lang="de-DE" dirty="0" err="1">
+                <a:latin typeface="Tahoma" panose="020B0604030504040204" pitchFamily="34" charset="0"/>
+                <a:ea typeface="Tahoma" panose="020B0604030504040204" pitchFamily="34" charset="0"/>
+                <a:cs typeface="Tahoma" panose="020B0604030504040204" pitchFamily="34" charset="0"/>
+              </a:rPr>
+              <a:t>data</a:t>
+            </a:r>
+            <a:r>
+              <a:rPr lang="de-DE" dirty="0">
+                <a:latin typeface="Tahoma" panose="020B0604030504040204" pitchFamily="34" charset="0"/>
+                <a:ea typeface="Tahoma" panose="020B0604030504040204" pitchFamily="34" charset="0"/>
+                <a:cs typeface="Tahoma" panose="020B0604030504040204" pitchFamily="34" charset="0"/>
+              </a:rPr>
+              <a:t> and </a:t>
+            </a:r>
+            <a:r>
+              <a:rPr lang="de-DE" dirty="0" err="1">
+                <a:latin typeface="Tahoma" panose="020B0604030504040204" pitchFamily="34" charset="0"/>
+                <a:ea typeface="Tahoma" panose="020B0604030504040204" pitchFamily="34" charset="0"/>
+                <a:cs typeface="Tahoma" panose="020B0604030504040204" pitchFamily="34" charset="0"/>
+              </a:rPr>
+              <a:t>how</a:t>
+            </a:r>
+            <a:r>
+              <a:rPr lang="de-DE" dirty="0">
+                <a:latin typeface="Tahoma" panose="020B0604030504040204" pitchFamily="34" charset="0"/>
+                <a:ea typeface="Tahoma" panose="020B0604030504040204" pitchFamily="34" charset="0"/>
+                <a:cs typeface="Tahoma" panose="020B0604030504040204" pitchFamily="34" charset="0"/>
+              </a:rPr>
+              <a:t> do </a:t>
+            </a:r>
+            <a:r>
+              <a:rPr lang="de-DE" dirty="0" err="1">
+                <a:latin typeface="Tahoma" panose="020B0604030504040204" pitchFamily="34" charset="0"/>
+                <a:ea typeface="Tahoma" panose="020B0604030504040204" pitchFamily="34" charset="0"/>
+                <a:cs typeface="Tahoma" panose="020B0604030504040204" pitchFamily="34" charset="0"/>
+              </a:rPr>
+              <a:t>we</a:t>
+            </a:r>
+            <a:r>
+              <a:rPr lang="de-DE" dirty="0">
+                <a:latin typeface="Tahoma" panose="020B0604030504040204" pitchFamily="34" charset="0"/>
+                <a:ea typeface="Tahoma" panose="020B0604030504040204" pitchFamily="34" charset="0"/>
+                <a:cs typeface="Tahoma" panose="020B0604030504040204" pitchFamily="34" charset="0"/>
+              </a:rPr>
+              <a:t> </a:t>
+            </a:r>
+            <a:r>
+              <a:rPr lang="de-DE" dirty="0" err="1">
+                <a:latin typeface="Tahoma" panose="020B0604030504040204" pitchFamily="34" charset="0"/>
+                <a:ea typeface="Tahoma" panose="020B0604030504040204" pitchFamily="34" charset="0"/>
+                <a:cs typeface="Tahoma" panose="020B0604030504040204" pitchFamily="34" charset="0"/>
+              </a:rPr>
+              <a:t>collect</a:t>
+            </a:r>
+            <a:r>
+              <a:rPr lang="de-DE" dirty="0">
+                <a:latin typeface="Tahoma" panose="020B0604030504040204" pitchFamily="34" charset="0"/>
+                <a:ea typeface="Tahoma" panose="020B0604030504040204" pitchFamily="34" charset="0"/>
+                <a:cs typeface="Tahoma" panose="020B0604030504040204" pitchFamily="34" charset="0"/>
+              </a:rPr>
+              <a:t> </a:t>
+            </a:r>
+            <a:r>
+              <a:rPr lang="de-DE" dirty="0" err="1">
+                <a:latin typeface="Tahoma" panose="020B0604030504040204" pitchFamily="34" charset="0"/>
+                <a:ea typeface="Tahoma" panose="020B0604030504040204" pitchFamily="34" charset="0"/>
+                <a:cs typeface="Tahoma" panose="020B0604030504040204" pitchFamily="34" charset="0"/>
+              </a:rPr>
+              <a:t>it</a:t>
+            </a:r>
+            <a:r>
+              <a:rPr lang="de-DE" dirty="0">
+                <a:latin typeface="Tahoma" panose="020B0604030504040204" pitchFamily="34" charset="0"/>
+                <a:ea typeface="Tahoma" panose="020B0604030504040204" pitchFamily="34" charset="0"/>
+                <a:cs typeface="Tahoma" panose="020B0604030504040204" pitchFamily="34" charset="0"/>
+              </a:rPr>
+              <a:t>?</a:t>
+            </a:r>
+            <a:endParaRPr lang="en-US" dirty="0">
+              <a:latin typeface="Tahoma" panose="020B0604030504040204" pitchFamily="34" charset="0"/>
+              <a:ea typeface="Tahoma" panose="020B0604030504040204" pitchFamily="34" charset="0"/>
+              <a:cs typeface="Tahoma" panose="020B0604030504040204" pitchFamily="34" charset="0"/>
+            </a:endParaRPr>
+          </a:p>
+        </p:txBody>
+      </p:sp>
+      <p:sp>
+        <p:nvSpPr>
+          <p:cNvPr id="5" name="Subtitle 4">
+            <a:extLst>
+              <a:ext uri="{FF2B5EF4-FFF2-40B4-BE49-F238E27FC236}">
+                <a16:creationId xmlns:a16="http://schemas.microsoft.com/office/drawing/2014/main" id="{82CA05FB-0161-905E-D574-A1464D308640}"/>
+              </a:ext>
+            </a:extLst>
+          </p:cNvPr>
+          <p:cNvSpPr>
+            <a:spLocks noGrp="1"/>
+          </p:cNvSpPr>
+          <p:nvPr>
+            <p:ph type="subTitle" idx="1"/>
+          </p:nvPr>
+        </p:nvSpPr>
+        <p:spPr/>
+        <p:txBody>
+          <a:bodyPr/>
+          <a:lstStyle/>
+          <a:p>
+            <a:endParaRPr lang="en-US" dirty="0"/>
+          </a:p>
+        </p:txBody>
+      </p:sp>
+    </p:spTree>
+    <p:extLst>
+      <p:ext uri="{BB962C8B-B14F-4D97-AF65-F5344CB8AC3E}">
+        <p14:creationId xmlns:p14="http://schemas.microsoft.com/office/powerpoint/2010/main" val="1212198256"/>
+      </p:ext>
+    </p:extLst>
+  </p:cSld>
+  <p:clrMapOvr>
+    <a:masterClrMapping/>
+  </p:clrMapOvr>
+</p:sld>
+</file>
+
+<file path=ppt/slides/slide20.xml><?xml version="1.0" encoding="utf-8"?>
 <p:sld xmlns:a="http://schemas.openxmlformats.org/drawingml/2006/main" xmlns:r="http://schemas.openxmlformats.org/officeDocument/2006/relationships" xmlns:p="http://schemas.openxmlformats.org/presentationml/2006/main">
   <p:cSld>
     <p:spTree>
@@ -6899,7 +8090,7 @@
 </p:sld>
 </file>
 
-<file path=ppt/slides/slide19.xml><?xml version="1.0" encoding="utf-8"?>
+<file path=ppt/slides/slide21.xml><?xml version="1.0" encoding="utf-8"?>
 <p:sld xmlns:a="http://schemas.openxmlformats.org/drawingml/2006/main" xmlns:r="http://schemas.openxmlformats.org/officeDocument/2006/relationships" xmlns:p="http://schemas.openxmlformats.org/presentationml/2006/main">
   <p:cSld>
     <p:spTree>
@@ -7639,200 +8830,7 @@
 </p:sld>
 </file>
 
-<file path=ppt/slides/slide2.xml><?xml version="1.0" encoding="utf-8"?>
-<p:sld xmlns:a="http://schemas.openxmlformats.org/drawingml/2006/main" xmlns:r="http://schemas.openxmlformats.org/officeDocument/2006/relationships" xmlns:p="http://schemas.openxmlformats.org/presentationml/2006/main">
-  <p:cSld>
-    <p:spTree>
-      <p:nvGrpSpPr>
-        <p:cNvPr id="1" name=""/>
-        <p:cNvGrpSpPr/>
-        <p:nvPr/>
-      </p:nvGrpSpPr>
-      <p:grpSpPr>
-        <a:xfrm>
-          <a:off x="0" y="0"/>
-          <a:ext cx="0" cy="0"/>
-          <a:chOff x="0" y="0"/>
-          <a:chExt cx="0" cy="0"/>
-        </a:xfrm>
-      </p:grpSpPr>
-      <p:sp>
-        <p:nvSpPr>
-          <p:cNvPr id="2" name="Title 1">
-            <a:extLst>
-              <a:ext uri="{FF2B5EF4-FFF2-40B4-BE49-F238E27FC236}">
-                <a16:creationId xmlns:a16="http://schemas.microsoft.com/office/drawing/2014/main" id="{7D6714C9-4AF6-4F36-8823-5546F83669EA}"/>
-              </a:ext>
-            </a:extLst>
-          </p:cNvPr>
-          <p:cNvSpPr>
-            <a:spLocks noGrp="1"/>
-          </p:cNvSpPr>
-          <p:nvPr>
-            <p:ph type="title"/>
-          </p:nvPr>
-        </p:nvSpPr>
-        <p:spPr/>
-        <p:txBody>
-          <a:bodyPr/>
-          <a:lstStyle/>
-          <a:p>
-            <a:r>
-              <a:rPr lang="en-US" dirty="0"/>
-              <a:t>Game plan</a:t>
-            </a:r>
-          </a:p>
-        </p:txBody>
-      </p:sp>
-      <p:sp>
-        <p:nvSpPr>
-          <p:cNvPr id="6" name="Text Placeholder 5">
-            <a:extLst>
-              <a:ext uri="{FF2B5EF4-FFF2-40B4-BE49-F238E27FC236}">
-                <a16:creationId xmlns:a16="http://schemas.microsoft.com/office/drawing/2014/main" id="{663EF3DC-E4C4-2AC6-2C02-7AA4BDB935A7}"/>
-              </a:ext>
-            </a:extLst>
-          </p:cNvPr>
-          <p:cNvSpPr>
-            <a:spLocks noGrp="1"/>
-          </p:cNvSpPr>
-          <p:nvPr>
-            <p:ph type="body" idx="1"/>
-          </p:nvPr>
-        </p:nvSpPr>
-        <p:spPr/>
-        <p:txBody>
-          <a:bodyPr>
-            <a:normAutofit/>
-          </a:bodyPr>
-          <a:lstStyle/>
-          <a:p>
-            <a:r>
-              <a:rPr lang="en-DE" dirty="0"/>
-              <a:t>Tuesday</a:t>
-            </a:r>
-          </a:p>
-        </p:txBody>
-      </p:sp>
-      <p:sp>
-        <p:nvSpPr>
-          <p:cNvPr id="7" name="Content Placeholder 6">
-            <a:extLst>
-              <a:ext uri="{FF2B5EF4-FFF2-40B4-BE49-F238E27FC236}">
-                <a16:creationId xmlns:a16="http://schemas.microsoft.com/office/drawing/2014/main" id="{A2B623E7-48CE-3A4E-3EB2-05E174B24BFD}"/>
-              </a:ext>
-            </a:extLst>
-          </p:cNvPr>
-          <p:cNvSpPr>
-            <a:spLocks noGrp="1"/>
-          </p:cNvSpPr>
-          <p:nvPr>
-            <p:ph sz="half" idx="2"/>
-          </p:nvPr>
-        </p:nvSpPr>
-        <p:spPr/>
-        <p:txBody>
-          <a:bodyPr/>
-          <a:lstStyle/>
-          <a:p>
-            <a:r>
-              <a:rPr lang="en-DE" dirty="0"/>
-              <a:t>Collecting data: API</a:t>
-            </a:r>
-          </a:p>
-          <a:p>
-            <a:r>
-              <a:rPr lang="en-DE" dirty="0"/>
-              <a:t>Collecting data: Web Scraping</a:t>
-            </a:r>
-          </a:p>
-        </p:txBody>
-      </p:sp>
-      <p:sp>
-        <p:nvSpPr>
-          <p:cNvPr id="8" name="Text Placeholder 7">
-            <a:extLst>
-              <a:ext uri="{FF2B5EF4-FFF2-40B4-BE49-F238E27FC236}">
-                <a16:creationId xmlns:a16="http://schemas.microsoft.com/office/drawing/2014/main" id="{D80A31C1-B01D-7816-17F1-DE21170DCF73}"/>
-              </a:ext>
-            </a:extLst>
-          </p:cNvPr>
-          <p:cNvSpPr>
-            <a:spLocks noGrp="1"/>
-          </p:cNvSpPr>
-          <p:nvPr>
-            <p:ph type="body" sz="quarter" idx="3"/>
-          </p:nvPr>
-        </p:nvSpPr>
-        <p:spPr/>
-        <p:txBody>
-          <a:bodyPr>
-            <a:normAutofit/>
-          </a:bodyPr>
-          <a:lstStyle/>
-          <a:p>
-            <a:r>
-              <a:rPr lang="en-DE" dirty="0"/>
-              <a:t>Wednesday</a:t>
-            </a:r>
-          </a:p>
-        </p:txBody>
-      </p:sp>
-      <p:sp>
-        <p:nvSpPr>
-          <p:cNvPr id="9" name="Content Placeholder 8">
-            <a:extLst>
-              <a:ext uri="{FF2B5EF4-FFF2-40B4-BE49-F238E27FC236}">
-                <a16:creationId xmlns:a16="http://schemas.microsoft.com/office/drawing/2014/main" id="{EFAC9A59-E693-8D27-4D02-6C99939D2D01}"/>
-              </a:ext>
-            </a:extLst>
-          </p:cNvPr>
-          <p:cNvSpPr>
-            <a:spLocks noGrp="1"/>
-          </p:cNvSpPr>
-          <p:nvPr>
-            <p:ph sz="quarter" idx="4"/>
-          </p:nvPr>
-        </p:nvSpPr>
-        <p:spPr/>
-        <p:txBody>
-          <a:bodyPr/>
-          <a:lstStyle/>
-          <a:p>
-            <a:r>
-              <a:rPr lang="en-DE" dirty="0"/>
-              <a:t>Collecting: Browser Automation</a:t>
-            </a:r>
-          </a:p>
-          <a:p>
-            <a:r>
-              <a:rPr lang="en-DE" dirty="0"/>
-              <a:t>Cleaning: String Operations</a:t>
-            </a:r>
-          </a:p>
-          <a:p>
-            <a:r>
-              <a:rPr lang="en-DE" dirty="0"/>
-              <a:t>Cleaning: Regular Expressions</a:t>
-            </a:r>
-            <a:endParaRPr lang="en-US" dirty="0"/>
-          </a:p>
-        </p:txBody>
-      </p:sp>
-    </p:spTree>
-    <p:extLst>
-      <p:ext uri="{BB962C8B-B14F-4D97-AF65-F5344CB8AC3E}">
-        <p14:creationId xmlns:p14="http://schemas.microsoft.com/office/powerpoint/2010/main" val="2578838040"/>
-      </p:ext>
-    </p:extLst>
-  </p:cSld>
-  <p:clrMapOvr>
-    <a:masterClrMapping/>
-  </p:clrMapOvr>
-</p:sld>
-</file>
-
-<file path=ppt/slides/slide20.xml><?xml version="1.0" encoding="utf-8"?>
+<file path=ppt/slides/slide22.xml><?xml version="1.0" encoding="utf-8"?>
 <p:sld xmlns:a="http://schemas.openxmlformats.org/drawingml/2006/main" xmlns:r="http://schemas.openxmlformats.org/officeDocument/2006/relationships" xmlns:p="http://schemas.openxmlformats.org/presentationml/2006/main">
   <p:cSld>
     <p:spTree>
@@ -8276,7 +9274,7 @@
 </p:sld>
 </file>
 
-<file path=ppt/slides/slide21.xml><?xml version="1.0" encoding="utf-8"?>
+<file path=ppt/slides/slide23.xml><?xml version="1.0" encoding="utf-8"?>
 <p:sld xmlns:a="http://schemas.openxmlformats.org/drawingml/2006/main" xmlns:r="http://schemas.openxmlformats.org/officeDocument/2006/relationships" xmlns:p="http://schemas.openxmlformats.org/presentationml/2006/main">
   <p:cSld>
     <p:spTree>
@@ -8694,7 +9692,7 @@
 </p:sld>
 </file>
 
-<file path=ppt/slides/slide22.xml><?xml version="1.0" encoding="utf-8"?>
+<file path=ppt/slides/slide24.xml><?xml version="1.0" encoding="utf-8"?>
 <p:sld xmlns:a="http://schemas.openxmlformats.org/drawingml/2006/main" xmlns:r="http://schemas.openxmlformats.org/officeDocument/2006/relationships" xmlns:p="http://schemas.openxmlformats.org/presentationml/2006/main">
   <p:cSld>
     <p:spTree>
@@ -9091,7 +10089,7 @@
 </p:sld>
 </file>
 
-<file path=ppt/slides/slide23.xml><?xml version="1.0" encoding="utf-8"?>
+<file path=ppt/slides/slide25.xml><?xml version="1.0" encoding="utf-8"?>
 <p:sld xmlns:a="http://schemas.openxmlformats.org/drawingml/2006/main" xmlns:r="http://schemas.openxmlformats.org/officeDocument/2006/relationships" xmlns:p="http://schemas.openxmlformats.org/presentationml/2006/main">
   <p:cSld>
     <p:spTree>
@@ -9517,7 +10515,7 @@
 </p:sld>
 </file>
 
-<file path=ppt/slides/slide24.xml><?xml version="1.0" encoding="utf-8"?>
+<file path=ppt/slides/slide26.xml><?xml version="1.0" encoding="utf-8"?>
 <p:sld xmlns:a="http://schemas.openxmlformats.org/drawingml/2006/main" xmlns:r="http://schemas.openxmlformats.org/officeDocument/2006/relationships" xmlns:p="http://schemas.openxmlformats.org/presentationml/2006/main">
   <p:cSld>
     <p:spTree>
@@ -9608,7 +10606,7 @@
 </p:sld>
 </file>
 
-<file path=ppt/slides/slide25.xml><?xml version="1.0" encoding="utf-8"?>
+<file path=ppt/slides/slide27.xml><?xml version="1.0" encoding="utf-8"?>
 <p:sld xmlns:a="http://schemas.openxmlformats.org/drawingml/2006/main" xmlns:r="http://schemas.openxmlformats.org/officeDocument/2006/relationships" xmlns:p="http://schemas.openxmlformats.org/presentationml/2006/main">
   <p:cSld>
     <p:spTree>
@@ -10195,7 +11193,481 @@
 </p:sld>
 </file>
 
-<file path=ppt/slides/slide26.xml><?xml version="1.0" encoding="utf-8"?>
+<file path=ppt/slides/slide28.xml><?xml version="1.0" encoding="utf-8"?>
+<p:sld xmlns:a="http://schemas.openxmlformats.org/drawingml/2006/main" xmlns:r="http://schemas.openxmlformats.org/officeDocument/2006/relationships" xmlns:p="http://schemas.openxmlformats.org/presentationml/2006/main">
+  <p:cSld>
+    <p:spTree>
+      <p:nvGrpSpPr>
+        <p:cNvPr id="1" name=""/>
+        <p:cNvGrpSpPr/>
+        <p:nvPr/>
+      </p:nvGrpSpPr>
+      <p:grpSpPr>
+        <a:xfrm>
+          <a:off x="0" y="0"/>
+          <a:ext cx="0" cy="0"/>
+          <a:chOff x="0" y="0"/>
+          <a:chExt cx="0" cy="0"/>
+        </a:xfrm>
+      </p:grpSpPr>
+      <p:sp>
+        <p:nvSpPr>
+          <p:cNvPr id="2" name="Title 1">
+            <a:extLst>
+              <a:ext uri="{FF2B5EF4-FFF2-40B4-BE49-F238E27FC236}">
+                <a16:creationId xmlns:a16="http://schemas.microsoft.com/office/drawing/2014/main" id="{1555AA7B-867D-09EA-3AC0-971D403DCBEA}"/>
+              </a:ext>
+            </a:extLst>
+          </p:cNvPr>
+          <p:cNvSpPr>
+            <a:spLocks noGrp="1"/>
+          </p:cNvSpPr>
+          <p:nvPr>
+            <p:ph type="title"/>
+          </p:nvPr>
+        </p:nvSpPr>
+        <p:spPr/>
+        <p:txBody>
+          <a:bodyPr/>
+          <a:lstStyle/>
+          <a:p>
+            <a:r>
+              <a:rPr lang="en-DE" dirty="0"/>
+              <a:t>Why is web scraping</a:t>
+            </a:r>
+            <a:endParaRPr lang="en-US" dirty="0"/>
+          </a:p>
+        </p:txBody>
+      </p:sp>
+      <p:sp>
+        <p:nvSpPr>
+          <p:cNvPr id="3" name="Content Placeholder 2">
+            <a:extLst>
+              <a:ext uri="{FF2B5EF4-FFF2-40B4-BE49-F238E27FC236}">
+                <a16:creationId xmlns:a16="http://schemas.microsoft.com/office/drawing/2014/main" id="{6936C024-E72D-55B5-C4F6-BDC9896EE680}"/>
+              </a:ext>
+            </a:extLst>
+          </p:cNvPr>
+          <p:cNvSpPr>
+            <a:spLocks noGrp="1"/>
+          </p:cNvSpPr>
+          <p:nvPr>
+            <p:ph idx="1"/>
+          </p:nvPr>
+        </p:nvSpPr>
+        <p:spPr/>
+        <p:txBody>
+          <a:bodyPr/>
+          <a:lstStyle/>
+          <a:p>
+            <a:r>
+              <a:rPr lang="en-DE" dirty="0"/>
+              <a:t>If there is a (functioning) API, always use the API!</a:t>
+            </a:r>
+          </a:p>
+          <a:p>
+            <a:pPr lvl="1"/>
+            <a:r>
+              <a:rPr lang="en-DE" dirty="0"/>
+              <a:t>It’s easier</a:t>
+            </a:r>
+          </a:p>
+          <a:p>
+            <a:pPr lvl="1"/>
+            <a:r>
+              <a:rPr lang="en-DE" dirty="0"/>
+              <a:t>It basically gives you ready-to-use data</a:t>
+            </a:r>
+          </a:p>
+          <a:p>
+            <a:pPr lvl="1"/>
+            <a:r>
+              <a:rPr lang="en-DE" dirty="0"/>
+              <a:t>It’s definitely legal</a:t>
+            </a:r>
+          </a:p>
+          <a:p>
+            <a:r>
+              <a:rPr lang="en-DE" dirty="0"/>
+              <a:t>Web scraping is useful if there is no API or if the API is really bad/restrictive.</a:t>
+            </a:r>
+          </a:p>
+          <a:p>
+            <a:pPr marL="0" indent="0">
+              <a:buNone/>
+            </a:pPr>
+            <a:r>
+              <a:rPr lang="en-DE" b="1" dirty="0">
+                <a:sym typeface="Wingdings" panose="05000000000000000000" pitchFamily="2" charset="2"/>
+              </a:rPr>
+              <a:t>BUT:</a:t>
+            </a:r>
+            <a:r>
+              <a:rPr lang="en-DE" dirty="0">
+                <a:sym typeface="Wingdings" panose="05000000000000000000" pitchFamily="2" charset="2"/>
+              </a:rPr>
+              <a:t> Legal issues that I can’t go into.</a:t>
+            </a:r>
+          </a:p>
+          <a:p>
+            <a:pPr marL="0" indent="0">
+              <a:buNone/>
+            </a:pPr>
+            <a:r>
+              <a:rPr lang="en-DE" b="1" dirty="0">
+                <a:sym typeface="Wingdings" panose="05000000000000000000" pitchFamily="2" charset="2"/>
+              </a:rPr>
+              <a:t>BUT</a:t>
+            </a:r>
+            <a:r>
+              <a:rPr lang="en-DE" dirty="0">
+                <a:sym typeface="Wingdings" panose="05000000000000000000" pitchFamily="2" charset="2"/>
+              </a:rPr>
+              <a:t>: What you see is what you get (although sometimes even what you see is hard to get)</a:t>
+            </a:r>
+            <a:endParaRPr lang="en-DE" dirty="0"/>
+          </a:p>
+          <a:p>
+            <a:endParaRPr lang="en-US" dirty="0"/>
+          </a:p>
+        </p:txBody>
+      </p:sp>
+    </p:spTree>
+    <p:extLst>
+      <p:ext uri="{BB962C8B-B14F-4D97-AF65-F5344CB8AC3E}">
+        <p14:creationId xmlns:p14="http://schemas.microsoft.com/office/powerpoint/2010/main" val="3224220120"/>
+      </p:ext>
+    </p:extLst>
+  </p:cSld>
+  <p:clrMapOvr>
+    <a:masterClrMapping/>
+  </p:clrMapOvr>
+  <p:timing>
+    <p:tnLst>
+      <p:par>
+        <p:cTn id="1" dur="indefinite" restart="never" nodeType="tmRoot">
+          <p:childTnLst>
+            <p:seq concurrent="1" nextAc="seek">
+              <p:cTn id="2" dur="indefinite" nodeType="mainSeq">
+                <p:childTnLst>
+                  <p:par>
+                    <p:cTn id="3" fill="hold">
+                      <p:stCondLst>
+                        <p:cond delay="indefinite"/>
+                      </p:stCondLst>
+                      <p:childTnLst>
+                        <p:par>
+                          <p:cTn id="4" fill="hold">
+                            <p:stCondLst>
+                              <p:cond delay="0"/>
+                            </p:stCondLst>
+                            <p:childTnLst>
+                              <p:par>
+                                <p:cTn id="5" presetID="1" presetClass="entr" presetSubtype="0" fill="hold" grpId="0" nodeType="clickEffect">
+                                  <p:stCondLst>
+                                    <p:cond delay="0"/>
+                                  </p:stCondLst>
+                                  <p:childTnLst>
+                                    <p:set>
+                                      <p:cBhvr>
+                                        <p:cTn id="6" dur="1" fill="hold">
+                                          <p:stCondLst>
+                                            <p:cond delay="0"/>
+                                          </p:stCondLst>
+                                        </p:cTn>
+                                        <p:tgtEl>
+                                          <p:spTgt spid="3">
+                                            <p:txEl>
+                                              <p:pRg st="0" end="0"/>
+                                            </p:txEl>
+                                          </p:spTgt>
+                                        </p:tgtEl>
+                                        <p:attrNameLst>
+                                          <p:attrName>style.visibility</p:attrName>
+                                        </p:attrNameLst>
+                                      </p:cBhvr>
+                                      <p:to>
+                                        <p:strVal val="visible"/>
+                                      </p:to>
+                                    </p:set>
+                                  </p:childTnLst>
+                                </p:cTn>
+                              </p:par>
+                              <p:par>
+                                <p:cTn id="7" presetID="1" presetClass="entr" presetSubtype="0" fill="hold" grpId="0" nodeType="withEffect">
+                                  <p:stCondLst>
+                                    <p:cond delay="0"/>
+                                  </p:stCondLst>
+                                  <p:childTnLst>
+                                    <p:set>
+                                      <p:cBhvr>
+                                        <p:cTn id="8" dur="1" fill="hold">
+                                          <p:stCondLst>
+                                            <p:cond delay="0"/>
+                                          </p:stCondLst>
+                                        </p:cTn>
+                                        <p:tgtEl>
+                                          <p:spTgt spid="3">
+                                            <p:txEl>
+                                              <p:pRg st="1" end="1"/>
+                                            </p:txEl>
+                                          </p:spTgt>
+                                        </p:tgtEl>
+                                        <p:attrNameLst>
+                                          <p:attrName>style.visibility</p:attrName>
+                                        </p:attrNameLst>
+                                      </p:cBhvr>
+                                      <p:to>
+                                        <p:strVal val="visible"/>
+                                      </p:to>
+                                    </p:set>
+                                  </p:childTnLst>
+                                </p:cTn>
+                              </p:par>
+                              <p:par>
+                                <p:cTn id="9" presetID="1" presetClass="entr" presetSubtype="0" fill="hold" grpId="0" nodeType="withEffect">
+                                  <p:stCondLst>
+                                    <p:cond delay="0"/>
+                                  </p:stCondLst>
+                                  <p:childTnLst>
+                                    <p:set>
+                                      <p:cBhvr>
+                                        <p:cTn id="10" dur="1" fill="hold">
+                                          <p:stCondLst>
+                                            <p:cond delay="0"/>
+                                          </p:stCondLst>
+                                        </p:cTn>
+                                        <p:tgtEl>
+                                          <p:spTgt spid="3">
+                                            <p:txEl>
+                                              <p:pRg st="2" end="2"/>
+                                            </p:txEl>
+                                          </p:spTgt>
+                                        </p:tgtEl>
+                                        <p:attrNameLst>
+                                          <p:attrName>style.visibility</p:attrName>
+                                        </p:attrNameLst>
+                                      </p:cBhvr>
+                                      <p:to>
+                                        <p:strVal val="visible"/>
+                                      </p:to>
+                                    </p:set>
+                                  </p:childTnLst>
+                                </p:cTn>
+                              </p:par>
+                              <p:par>
+                                <p:cTn id="11" presetID="1" presetClass="entr" presetSubtype="0" fill="hold" grpId="0" nodeType="withEffect">
+                                  <p:stCondLst>
+                                    <p:cond delay="0"/>
+                                  </p:stCondLst>
+                                  <p:childTnLst>
+                                    <p:set>
+                                      <p:cBhvr>
+                                        <p:cTn id="12" dur="1" fill="hold">
+                                          <p:stCondLst>
+                                            <p:cond delay="0"/>
+                                          </p:stCondLst>
+                                        </p:cTn>
+                                        <p:tgtEl>
+                                          <p:spTgt spid="3">
+                                            <p:txEl>
+                                              <p:pRg st="3" end="3"/>
+                                            </p:txEl>
+                                          </p:spTgt>
+                                        </p:tgtEl>
+                                        <p:attrNameLst>
+                                          <p:attrName>style.visibility</p:attrName>
+                                        </p:attrNameLst>
+                                      </p:cBhvr>
+                                      <p:to>
+                                        <p:strVal val="visible"/>
+                                      </p:to>
+                                    </p:set>
+                                  </p:childTnLst>
+                                </p:cTn>
+                              </p:par>
+                            </p:childTnLst>
+                          </p:cTn>
+                        </p:par>
+                      </p:childTnLst>
+                    </p:cTn>
+                  </p:par>
+                  <p:par>
+                    <p:cTn id="13" fill="hold">
+                      <p:stCondLst>
+                        <p:cond delay="indefinite"/>
+                      </p:stCondLst>
+                      <p:childTnLst>
+                        <p:par>
+                          <p:cTn id="14" fill="hold">
+                            <p:stCondLst>
+                              <p:cond delay="0"/>
+                            </p:stCondLst>
+                            <p:childTnLst>
+                              <p:par>
+                                <p:cTn id="15" presetID="1" presetClass="entr" presetSubtype="0" fill="hold" grpId="0" nodeType="clickEffect">
+                                  <p:stCondLst>
+                                    <p:cond delay="0"/>
+                                  </p:stCondLst>
+                                  <p:childTnLst>
+                                    <p:set>
+                                      <p:cBhvr>
+                                        <p:cTn id="16" dur="1" fill="hold">
+                                          <p:stCondLst>
+                                            <p:cond delay="0"/>
+                                          </p:stCondLst>
+                                        </p:cTn>
+                                        <p:tgtEl>
+                                          <p:spTgt spid="3">
+                                            <p:txEl>
+                                              <p:pRg st="4" end="4"/>
+                                            </p:txEl>
+                                          </p:spTgt>
+                                        </p:tgtEl>
+                                        <p:attrNameLst>
+                                          <p:attrName>style.visibility</p:attrName>
+                                        </p:attrNameLst>
+                                      </p:cBhvr>
+                                      <p:to>
+                                        <p:strVal val="visible"/>
+                                      </p:to>
+                                    </p:set>
+                                  </p:childTnLst>
+                                </p:cTn>
+                              </p:par>
+                            </p:childTnLst>
+                          </p:cTn>
+                        </p:par>
+                      </p:childTnLst>
+                    </p:cTn>
+                  </p:par>
+                  <p:par>
+                    <p:cTn id="17" fill="hold">
+                      <p:stCondLst>
+                        <p:cond delay="indefinite"/>
+                      </p:stCondLst>
+                      <p:childTnLst>
+                        <p:par>
+                          <p:cTn id="18" fill="hold">
+                            <p:stCondLst>
+                              <p:cond delay="0"/>
+                            </p:stCondLst>
+                            <p:childTnLst>
+                              <p:par>
+                                <p:cTn id="19" presetID="1" presetClass="entr" presetSubtype="0" fill="hold" grpId="0" nodeType="clickEffect">
+                                  <p:stCondLst>
+                                    <p:cond delay="0"/>
+                                  </p:stCondLst>
+                                  <p:childTnLst>
+                                    <p:set>
+                                      <p:cBhvr>
+                                        <p:cTn id="20" dur="1" fill="hold">
+                                          <p:stCondLst>
+                                            <p:cond delay="0"/>
+                                          </p:stCondLst>
+                                        </p:cTn>
+                                        <p:tgtEl>
+                                          <p:spTgt spid="3">
+                                            <p:txEl>
+                                              <p:pRg st="5" end="5"/>
+                                            </p:txEl>
+                                          </p:spTgt>
+                                        </p:tgtEl>
+                                        <p:attrNameLst>
+                                          <p:attrName>style.visibility</p:attrName>
+                                        </p:attrNameLst>
+                                      </p:cBhvr>
+                                      <p:to>
+                                        <p:strVal val="visible"/>
+                                      </p:to>
+                                    </p:set>
+                                  </p:childTnLst>
+                                </p:cTn>
+                              </p:par>
+                            </p:childTnLst>
+                          </p:cTn>
+                        </p:par>
+                      </p:childTnLst>
+                    </p:cTn>
+                  </p:par>
+                  <p:par>
+                    <p:cTn id="21" fill="hold">
+                      <p:stCondLst>
+                        <p:cond delay="indefinite"/>
+                      </p:stCondLst>
+                      <p:childTnLst>
+                        <p:par>
+                          <p:cTn id="22" fill="hold">
+                            <p:stCondLst>
+                              <p:cond delay="0"/>
+                            </p:stCondLst>
+                            <p:childTnLst>
+                              <p:par>
+                                <p:cTn id="23" presetID="1" presetClass="entr" presetSubtype="0" fill="hold" grpId="0" nodeType="clickEffect">
+                                  <p:stCondLst>
+                                    <p:cond delay="0"/>
+                                  </p:stCondLst>
+                                  <p:childTnLst>
+                                    <p:set>
+                                      <p:cBhvr>
+                                        <p:cTn id="24" dur="1" fill="hold">
+                                          <p:stCondLst>
+                                            <p:cond delay="0"/>
+                                          </p:stCondLst>
+                                        </p:cTn>
+                                        <p:tgtEl>
+                                          <p:spTgt spid="3">
+                                            <p:txEl>
+                                              <p:pRg st="6" end="6"/>
+                                            </p:txEl>
+                                          </p:spTgt>
+                                        </p:tgtEl>
+                                        <p:attrNameLst>
+                                          <p:attrName>style.visibility</p:attrName>
+                                        </p:attrNameLst>
+                                      </p:cBhvr>
+                                      <p:to>
+                                        <p:strVal val="visible"/>
+                                      </p:to>
+                                    </p:set>
+                                  </p:childTnLst>
+                                </p:cTn>
+                              </p:par>
+                            </p:childTnLst>
+                          </p:cTn>
+                        </p:par>
+                      </p:childTnLst>
+                    </p:cTn>
+                  </p:par>
+                </p:childTnLst>
+              </p:cTn>
+              <p:prevCondLst>
+                <p:cond evt="onPrev" delay="0">
+                  <p:tgtEl>
+                    <p:sldTgt/>
+                  </p:tgtEl>
+                </p:cond>
+              </p:prevCondLst>
+              <p:nextCondLst>
+                <p:cond evt="onNext" delay="0">
+                  <p:tgtEl>
+                    <p:sldTgt/>
+                  </p:tgtEl>
+                </p:cond>
+              </p:nextCondLst>
+            </p:seq>
+          </p:childTnLst>
+        </p:cTn>
+      </p:par>
+    </p:tnLst>
+    <p:bldLst>
+      <p:bldP spid="3" grpId="0" build="p"/>
+    </p:bldLst>
+  </p:timing>
+</p:sld>
+</file>
+
+<file path=ppt/slides/slide29.xml><?xml version="1.0" encoding="utf-8"?>
 <p:sld xmlns:a="http://schemas.openxmlformats.org/drawingml/2006/main" xmlns:r="http://schemas.openxmlformats.org/officeDocument/2006/relationships" xmlns:p="http://schemas.openxmlformats.org/presentationml/2006/main">
   <p:cSld>
     <p:spTree>
@@ -10291,7 +11763,200 @@
 </p:sld>
 </file>
 
-<file path=ppt/slides/slide27.xml><?xml version="1.0" encoding="utf-8"?>
+<file path=ppt/slides/slide3.xml><?xml version="1.0" encoding="utf-8"?>
+<p:sld xmlns:a="http://schemas.openxmlformats.org/drawingml/2006/main" xmlns:r="http://schemas.openxmlformats.org/officeDocument/2006/relationships" xmlns:p="http://schemas.openxmlformats.org/presentationml/2006/main">
+  <p:cSld>
+    <p:spTree>
+      <p:nvGrpSpPr>
+        <p:cNvPr id="1" name=""/>
+        <p:cNvGrpSpPr/>
+        <p:nvPr/>
+      </p:nvGrpSpPr>
+      <p:grpSpPr>
+        <a:xfrm>
+          <a:off x="0" y="0"/>
+          <a:ext cx="0" cy="0"/>
+          <a:chOff x="0" y="0"/>
+          <a:chExt cx="0" cy="0"/>
+        </a:xfrm>
+      </p:grpSpPr>
+      <p:sp>
+        <p:nvSpPr>
+          <p:cNvPr id="2" name="Title 1">
+            <a:extLst>
+              <a:ext uri="{FF2B5EF4-FFF2-40B4-BE49-F238E27FC236}">
+                <a16:creationId xmlns:a16="http://schemas.microsoft.com/office/drawing/2014/main" id="{7D6714C9-4AF6-4F36-8823-5546F83669EA}"/>
+              </a:ext>
+            </a:extLst>
+          </p:cNvPr>
+          <p:cNvSpPr>
+            <a:spLocks noGrp="1"/>
+          </p:cNvSpPr>
+          <p:nvPr>
+            <p:ph type="title"/>
+          </p:nvPr>
+        </p:nvSpPr>
+        <p:spPr/>
+        <p:txBody>
+          <a:bodyPr/>
+          <a:lstStyle/>
+          <a:p>
+            <a:r>
+              <a:rPr lang="en-US" dirty="0"/>
+              <a:t>Game plan</a:t>
+            </a:r>
+          </a:p>
+        </p:txBody>
+      </p:sp>
+      <p:sp>
+        <p:nvSpPr>
+          <p:cNvPr id="6" name="Text Placeholder 5">
+            <a:extLst>
+              <a:ext uri="{FF2B5EF4-FFF2-40B4-BE49-F238E27FC236}">
+                <a16:creationId xmlns:a16="http://schemas.microsoft.com/office/drawing/2014/main" id="{663EF3DC-E4C4-2AC6-2C02-7AA4BDB935A7}"/>
+              </a:ext>
+            </a:extLst>
+          </p:cNvPr>
+          <p:cNvSpPr>
+            <a:spLocks noGrp="1"/>
+          </p:cNvSpPr>
+          <p:nvPr>
+            <p:ph type="body" idx="1"/>
+          </p:nvPr>
+        </p:nvSpPr>
+        <p:spPr/>
+        <p:txBody>
+          <a:bodyPr>
+            <a:normAutofit/>
+          </a:bodyPr>
+          <a:lstStyle/>
+          <a:p>
+            <a:r>
+              <a:rPr lang="en-DE" dirty="0"/>
+              <a:t>Tuesday</a:t>
+            </a:r>
+          </a:p>
+        </p:txBody>
+      </p:sp>
+      <p:sp>
+        <p:nvSpPr>
+          <p:cNvPr id="7" name="Content Placeholder 6">
+            <a:extLst>
+              <a:ext uri="{FF2B5EF4-FFF2-40B4-BE49-F238E27FC236}">
+                <a16:creationId xmlns:a16="http://schemas.microsoft.com/office/drawing/2014/main" id="{A2B623E7-48CE-3A4E-3EB2-05E174B24BFD}"/>
+              </a:ext>
+            </a:extLst>
+          </p:cNvPr>
+          <p:cNvSpPr>
+            <a:spLocks noGrp="1"/>
+          </p:cNvSpPr>
+          <p:nvPr>
+            <p:ph sz="half" idx="2"/>
+          </p:nvPr>
+        </p:nvSpPr>
+        <p:spPr/>
+        <p:txBody>
+          <a:bodyPr/>
+          <a:lstStyle/>
+          <a:p>
+            <a:r>
+              <a:rPr lang="en-DE" dirty="0"/>
+              <a:t>Collecting data: API</a:t>
+            </a:r>
+          </a:p>
+          <a:p>
+            <a:r>
+              <a:rPr lang="en-DE" dirty="0"/>
+              <a:t>Collecting data: Web Scraping</a:t>
+            </a:r>
+          </a:p>
+        </p:txBody>
+      </p:sp>
+      <p:sp>
+        <p:nvSpPr>
+          <p:cNvPr id="8" name="Text Placeholder 7">
+            <a:extLst>
+              <a:ext uri="{FF2B5EF4-FFF2-40B4-BE49-F238E27FC236}">
+                <a16:creationId xmlns:a16="http://schemas.microsoft.com/office/drawing/2014/main" id="{D80A31C1-B01D-7816-17F1-DE21170DCF73}"/>
+              </a:ext>
+            </a:extLst>
+          </p:cNvPr>
+          <p:cNvSpPr>
+            <a:spLocks noGrp="1"/>
+          </p:cNvSpPr>
+          <p:nvPr>
+            <p:ph type="body" sz="quarter" idx="3"/>
+          </p:nvPr>
+        </p:nvSpPr>
+        <p:spPr/>
+        <p:txBody>
+          <a:bodyPr>
+            <a:normAutofit/>
+          </a:bodyPr>
+          <a:lstStyle/>
+          <a:p>
+            <a:r>
+              <a:rPr lang="en-DE" dirty="0"/>
+              <a:t>Wednesday</a:t>
+            </a:r>
+          </a:p>
+        </p:txBody>
+      </p:sp>
+      <p:sp>
+        <p:nvSpPr>
+          <p:cNvPr id="9" name="Content Placeholder 8">
+            <a:extLst>
+              <a:ext uri="{FF2B5EF4-FFF2-40B4-BE49-F238E27FC236}">
+                <a16:creationId xmlns:a16="http://schemas.microsoft.com/office/drawing/2014/main" id="{EFAC9A59-E693-8D27-4D02-6C99939D2D01}"/>
+              </a:ext>
+            </a:extLst>
+          </p:cNvPr>
+          <p:cNvSpPr>
+            <a:spLocks noGrp="1"/>
+          </p:cNvSpPr>
+          <p:nvPr>
+            <p:ph sz="quarter" idx="4"/>
+          </p:nvPr>
+        </p:nvSpPr>
+        <p:spPr/>
+        <p:txBody>
+          <a:bodyPr/>
+          <a:lstStyle/>
+          <a:p>
+            <a:r>
+              <a:rPr lang="en-DE" dirty="0"/>
+              <a:t>Collecting: Browser Automation</a:t>
+            </a:r>
+          </a:p>
+          <a:p>
+            <a:r>
+              <a:rPr lang="en-DE" dirty="0"/>
+              <a:t>Cleaning: String Operations</a:t>
+            </a:r>
+          </a:p>
+          <a:p>
+            <a:r>
+              <a:rPr lang="en-DE" dirty="0"/>
+              <a:t>Cleaning: Regular Expressions</a:t>
+            </a:r>
+            <a:endParaRPr lang="en-US" dirty="0"/>
+          </a:p>
+        </p:txBody>
+      </p:sp>
+    </p:spTree>
+    <p:extLst>
+      <p:ext uri="{BB962C8B-B14F-4D97-AF65-F5344CB8AC3E}">
+        <p14:creationId xmlns:p14="http://schemas.microsoft.com/office/powerpoint/2010/main" val="2578838040"/>
+      </p:ext>
+    </p:extLst>
+  </p:cSld>
+  <p:clrMapOvr>
+    <a:masterClrMapping/>
+  </p:clrMapOvr>
+</p:sld>
+</file>
+
+<file path=ppt/slides/slide30.xml><?xml version="1.0" encoding="utf-8"?>
 <p:sld xmlns:a="http://schemas.openxmlformats.org/drawingml/2006/main" xmlns:r="http://schemas.openxmlformats.org/officeDocument/2006/relationships" xmlns:p="http://schemas.openxmlformats.org/presentationml/2006/main">
   <p:cSld>
     <p:spTree>
@@ -11895,7 +13560,7 @@
 </p:sld>
 </file>
 
-<file path=ppt/slides/slide28.xml><?xml version="1.0" encoding="utf-8"?>
+<file path=ppt/slides/slide31.xml><?xml version="1.0" encoding="utf-8"?>
 <p:sld xmlns:a="http://schemas.openxmlformats.org/drawingml/2006/main" xmlns:r="http://schemas.openxmlformats.org/officeDocument/2006/relationships" xmlns:p="http://schemas.openxmlformats.org/presentationml/2006/main">
   <p:cSld>
     <p:spTree>
@@ -13139,7 +14804,7 @@
 </p:sld>
 </file>
 
-<file path=ppt/slides/slide29.xml><?xml version="1.0" encoding="utf-8"?>
+<file path=ppt/slides/slide32.xml><?xml version="1.0" encoding="utf-8"?>
 <p:sld xmlns:a="http://schemas.openxmlformats.org/drawingml/2006/main" xmlns:r="http://schemas.openxmlformats.org/officeDocument/2006/relationships" xmlns:p="http://schemas.openxmlformats.org/presentationml/2006/main">
   <p:cSld>
     <p:spTree>
@@ -13981,105 +15646,7 @@
 </p:sld>
 </file>
 
-<file path=ppt/slides/slide3.xml><?xml version="1.0" encoding="utf-8"?>
-<p:sld xmlns:a="http://schemas.openxmlformats.org/drawingml/2006/main" xmlns:r="http://schemas.openxmlformats.org/officeDocument/2006/relationships" xmlns:p="http://schemas.openxmlformats.org/presentationml/2006/main">
-  <p:cSld>
-    <p:spTree>
-      <p:nvGrpSpPr>
-        <p:cNvPr id="1" name=""/>
-        <p:cNvGrpSpPr/>
-        <p:nvPr/>
-      </p:nvGrpSpPr>
-      <p:grpSpPr>
-        <a:xfrm>
-          <a:off x="0" y="0"/>
-          <a:ext cx="0" cy="0"/>
-          <a:chOff x="0" y="0"/>
-          <a:chExt cx="0" cy="0"/>
-        </a:xfrm>
-      </p:grpSpPr>
-      <p:sp>
-        <p:nvSpPr>
-          <p:cNvPr id="2" name="Title 1">
-            <a:extLst>
-              <a:ext uri="{FF2B5EF4-FFF2-40B4-BE49-F238E27FC236}">
-                <a16:creationId xmlns:a16="http://schemas.microsoft.com/office/drawing/2014/main" id="{7D6714C9-4AF6-4F36-8823-5546F83669EA}"/>
-              </a:ext>
-            </a:extLst>
-          </p:cNvPr>
-          <p:cNvSpPr>
-            <a:spLocks noGrp="1"/>
-          </p:cNvSpPr>
-          <p:nvPr>
-            <p:ph type="title"/>
-          </p:nvPr>
-        </p:nvSpPr>
-        <p:spPr/>
-        <p:txBody>
-          <a:bodyPr/>
-          <a:lstStyle/>
-          <a:p>
-            <a:r>
-              <a:rPr lang="en-US" dirty="0"/>
-              <a:t>Game plan</a:t>
-            </a:r>
-          </a:p>
-        </p:txBody>
-      </p:sp>
-      <p:sp>
-        <p:nvSpPr>
-          <p:cNvPr id="7" name="Content Placeholder 6">
-            <a:extLst>
-              <a:ext uri="{FF2B5EF4-FFF2-40B4-BE49-F238E27FC236}">
-                <a16:creationId xmlns:a16="http://schemas.microsoft.com/office/drawing/2014/main" id="{A2B623E7-48CE-3A4E-3EB2-05E174B24BFD}"/>
-              </a:ext>
-            </a:extLst>
-          </p:cNvPr>
-          <p:cNvSpPr>
-            <a:spLocks noGrp="1"/>
-          </p:cNvSpPr>
-          <p:nvPr>
-            <p:ph idx="1"/>
-          </p:nvPr>
-        </p:nvSpPr>
-        <p:spPr/>
-        <p:txBody>
-          <a:bodyPr/>
-          <a:lstStyle/>
-          <a:p>
-            <a:r>
-              <a:rPr lang="en-DE" dirty="0"/>
-              <a:t>Alternating between lecture-style introduction and exercises</a:t>
-            </a:r>
-          </a:p>
-          <a:p>
-            <a:r>
-              <a:rPr lang="en-DE" dirty="0"/>
-              <a:t>Starting real basic!</a:t>
-            </a:r>
-          </a:p>
-          <a:p>
-            <a:r>
-              <a:rPr lang="en-DE" dirty="0"/>
-              <a:t>But tasks are not easy.</a:t>
-            </a:r>
-          </a:p>
-        </p:txBody>
-      </p:sp>
-    </p:spTree>
-    <p:extLst>
-      <p:ext uri="{BB962C8B-B14F-4D97-AF65-F5344CB8AC3E}">
-        <p14:creationId xmlns:p14="http://schemas.microsoft.com/office/powerpoint/2010/main" val="66235301"/>
-      </p:ext>
-    </p:extLst>
-  </p:cSld>
-  <p:clrMapOvr>
-    <a:masterClrMapping/>
-  </p:clrMapOvr>
-</p:sld>
-</file>
-
-<file path=ppt/slides/slide30.xml><?xml version="1.0" encoding="utf-8"?>
+<file path=ppt/slides/slide33.xml><?xml version="1.0" encoding="utf-8"?>
 <p:sld xmlns:a="http://schemas.openxmlformats.org/drawingml/2006/main" xmlns:r="http://schemas.openxmlformats.org/officeDocument/2006/relationships" xmlns:p="http://schemas.openxmlformats.org/presentationml/2006/main">
   <p:cSld>
     <p:spTree>
@@ -15941,7 +17508,7 @@
 </p:sld>
 </file>
 
-<file path=ppt/slides/slide31.xml><?xml version="1.0" encoding="utf-8"?>
+<file path=ppt/slides/slide34.xml><?xml version="1.0" encoding="utf-8"?>
 <p:sld xmlns:a="http://schemas.openxmlformats.org/drawingml/2006/main" xmlns:r="http://schemas.openxmlformats.org/officeDocument/2006/relationships" xmlns:p="http://schemas.openxmlformats.org/presentationml/2006/main">
   <p:cSld>
     <p:spTree>
@@ -16432,7 +17999,7 @@
 </p:sld>
 </file>
 
-<file path=ppt/slides/slide32.xml><?xml version="1.0" encoding="utf-8"?>
+<file path=ppt/slides/slide35.xml><?xml version="1.0" encoding="utf-8"?>
 <p:sld xmlns:a="http://schemas.openxmlformats.org/drawingml/2006/main" xmlns:r="http://schemas.openxmlformats.org/officeDocument/2006/relationships" xmlns:p="http://schemas.openxmlformats.org/presentationml/2006/main">
   <p:cSld>
     <p:spTree>
@@ -16589,7 +18156,7 @@
 </p:sld>
 </file>
 
-<file path=ppt/slides/slide33.xml><?xml version="1.0" encoding="utf-8"?>
+<file path=ppt/slides/slide36.xml><?xml version="1.0" encoding="utf-8"?>
 <p:sld xmlns:a="http://schemas.openxmlformats.org/drawingml/2006/main" xmlns:r="http://schemas.openxmlformats.org/officeDocument/2006/relationships" xmlns:p="http://schemas.openxmlformats.org/presentationml/2006/main">
   <p:cSld>
     <p:spTree>
@@ -18009,7 +19576,7 @@
 </p:sld>
 </file>
 
-<file path=ppt/slides/slide34.xml><?xml version="1.0" encoding="utf-8"?>
+<file path=ppt/slides/slide37.xml><?xml version="1.0" encoding="utf-8"?>
 <p:sld xmlns:a="http://schemas.openxmlformats.org/drawingml/2006/main" xmlns:r="http://schemas.openxmlformats.org/officeDocument/2006/relationships" xmlns:p="http://schemas.openxmlformats.org/presentationml/2006/main">
   <p:cSld>
     <p:spTree>
@@ -18791,7 +20358,7 @@
 </p:sld>
 </file>
 
-<file path=ppt/slides/slide35.xml><?xml version="1.0" encoding="utf-8"?>
+<file path=ppt/slides/slide38.xml><?xml version="1.0" encoding="utf-8"?>
 <p:sld xmlns:a="http://schemas.openxmlformats.org/drawingml/2006/main" xmlns:r="http://schemas.openxmlformats.org/officeDocument/2006/relationships" xmlns:p="http://schemas.openxmlformats.org/presentationml/2006/main">
   <p:cSld>
     <p:spTree>
@@ -19125,7 +20692,7 @@
 </p:sld>
 </file>
 
-<file path=ppt/slides/slide36.xml><?xml version="1.0" encoding="utf-8"?>
+<file path=ppt/slides/slide39.xml><?xml version="1.0" encoding="utf-8"?>
 <p:sld xmlns:a="http://schemas.openxmlformats.org/drawingml/2006/main" xmlns:r="http://schemas.openxmlformats.org/officeDocument/2006/relationships" xmlns:p="http://schemas.openxmlformats.org/presentationml/2006/main">
   <p:cSld>
     <p:spTree>
@@ -19277,6 +20844,104 @@
 </file>
 
 <file path=ppt/slides/slide4.xml><?xml version="1.0" encoding="utf-8"?>
+<p:sld xmlns:a="http://schemas.openxmlformats.org/drawingml/2006/main" xmlns:r="http://schemas.openxmlformats.org/officeDocument/2006/relationships" xmlns:p="http://schemas.openxmlformats.org/presentationml/2006/main">
+  <p:cSld>
+    <p:spTree>
+      <p:nvGrpSpPr>
+        <p:cNvPr id="1" name=""/>
+        <p:cNvGrpSpPr/>
+        <p:nvPr/>
+      </p:nvGrpSpPr>
+      <p:grpSpPr>
+        <a:xfrm>
+          <a:off x="0" y="0"/>
+          <a:ext cx="0" cy="0"/>
+          <a:chOff x="0" y="0"/>
+          <a:chExt cx="0" cy="0"/>
+        </a:xfrm>
+      </p:grpSpPr>
+      <p:sp>
+        <p:nvSpPr>
+          <p:cNvPr id="2" name="Title 1">
+            <a:extLst>
+              <a:ext uri="{FF2B5EF4-FFF2-40B4-BE49-F238E27FC236}">
+                <a16:creationId xmlns:a16="http://schemas.microsoft.com/office/drawing/2014/main" id="{7D6714C9-4AF6-4F36-8823-5546F83669EA}"/>
+              </a:ext>
+            </a:extLst>
+          </p:cNvPr>
+          <p:cNvSpPr>
+            <a:spLocks noGrp="1"/>
+          </p:cNvSpPr>
+          <p:nvPr>
+            <p:ph type="title"/>
+          </p:nvPr>
+        </p:nvSpPr>
+        <p:spPr/>
+        <p:txBody>
+          <a:bodyPr/>
+          <a:lstStyle/>
+          <a:p>
+            <a:r>
+              <a:rPr lang="en-US" dirty="0"/>
+              <a:t>Game plan</a:t>
+            </a:r>
+          </a:p>
+        </p:txBody>
+      </p:sp>
+      <p:sp>
+        <p:nvSpPr>
+          <p:cNvPr id="7" name="Content Placeholder 6">
+            <a:extLst>
+              <a:ext uri="{FF2B5EF4-FFF2-40B4-BE49-F238E27FC236}">
+                <a16:creationId xmlns:a16="http://schemas.microsoft.com/office/drawing/2014/main" id="{A2B623E7-48CE-3A4E-3EB2-05E174B24BFD}"/>
+              </a:ext>
+            </a:extLst>
+          </p:cNvPr>
+          <p:cNvSpPr>
+            <a:spLocks noGrp="1"/>
+          </p:cNvSpPr>
+          <p:nvPr>
+            <p:ph idx="1"/>
+          </p:nvPr>
+        </p:nvSpPr>
+        <p:spPr/>
+        <p:txBody>
+          <a:bodyPr/>
+          <a:lstStyle/>
+          <a:p>
+            <a:r>
+              <a:rPr lang="en-DE" dirty="0"/>
+              <a:t>Alternating between lecture-style introduction and exercises</a:t>
+            </a:r>
+          </a:p>
+          <a:p>
+            <a:r>
+              <a:rPr lang="en-DE" dirty="0"/>
+              <a:t>Starting real basic!</a:t>
+            </a:r>
+          </a:p>
+          <a:p>
+            <a:r>
+              <a:rPr lang="en-DE" dirty="0"/>
+              <a:t>But tasks are not easy.</a:t>
+            </a:r>
+          </a:p>
+        </p:txBody>
+      </p:sp>
+    </p:spTree>
+    <p:extLst>
+      <p:ext uri="{BB962C8B-B14F-4D97-AF65-F5344CB8AC3E}">
+        <p14:creationId xmlns:p14="http://schemas.microsoft.com/office/powerpoint/2010/main" val="66235301"/>
+      </p:ext>
+    </p:extLst>
+  </p:cSld>
+  <p:clrMapOvr>
+    <a:masterClrMapping/>
+  </p:clrMapOvr>
+</p:sld>
+</file>
+
+<file path=ppt/slides/slide5.xml><?xml version="1.0" encoding="utf-8"?>
 <p:sld xmlns:a="http://schemas.openxmlformats.org/drawingml/2006/main" xmlns:r="http://schemas.openxmlformats.org/officeDocument/2006/relationships" xmlns:p="http://schemas.openxmlformats.org/presentationml/2006/main">
   <p:cSld>
     <p:spTree>
@@ -19895,7 +21560,109 @@
 </p:sld>
 </file>
 
-<file path=ppt/slides/slide5.xml><?xml version="1.0" encoding="utf-8"?>
+<file path=ppt/slides/slide6.xml><?xml version="1.0" encoding="utf-8"?>
+<p:sld xmlns:a="http://schemas.openxmlformats.org/drawingml/2006/main" xmlns:r="http://schemas.openxmlformats.org/officeDocument/2006/relationships" xmlns:p="http://schemas.openxmlformats.org/presentationml/2006/main">
+  <p:cSld>
+    <p:spTree>
+      <p:nvGrpSpPr>
+        <p:cNvPr id="1" name=""/>
+        <p:cNvGrpSpPr/>
+        <p:nvPr/>
+      </p:nvGrpSpPr>
+      <p:grpSpPr>
+        <a:xfrm>
+          <a:off x="0" y="0"/>
+          <a:ext cx="0" cy="0"/>
+          <a:chOff x="0" y="0"/>
+          <a:chExt cx="0" cy="0"/>
+        </a:xfrm>
+      </p:grpSpPr>
+      <p:sp>
+        <p:nvSpPr>
+          <p:cNvPr id="6" name="Title 5">
+            <a:extLst>
+              <a:ext uri="{FF2B5EF4-FFF2-40B4-BE49-F238E27FC236}">
+                <a16:creationId xmlns:a16="http://schemas.microsoft.com/office/drawing/2014/main" id="{0808DFDC-33BF-222A-D9D4-69C63414751E}"/>
+              </a:ext>
+            </a:extLst>
+          </p:cNvPr>
+          <p:cNvSpPr>
+            <a:spLocks noGrp="1"/>
+          </p:cNvSpPr>
+          <p:nvPr>
+            <p:ph type="title"/>
+          </p:nvPr>
+        </p:nvSpPr>
+        <p:spPr/>
+        <p:txBody>
+          <a:bodyPr/>
+          <a:lstStyle/>
+          <a:p>
+            <a:r>
+              <a:rPr lang="en-DE" dirty="0"/>
+              <a:t>Problem solving</a:t>
+            </a:r>
+            <a:endParaRPr lang="en-US" dirty="0"/>
+          </a:p>
+        </p:txBody>
+      </p:sp>
+      <p:sp>
+        <p:nvSpPr>
+          <p:cNvPr id="3" name="Content Placeholder 2">
+            <a:extLst>
+              <a:ext uri="{FF2B5EF4-FFF2-40B4-BE49-F238E27FC236}">
+                <a16:creationId xmlns:a16="http://schemas.microsoft.com/office/drawing/2014/main" id="{B34367B2-80BB-A9AA-8821-A598631277E1}"/>
+              </a:ext>
+            </a:extLst>
+          </p:cNvPr>
+          <p:cNvSpPr>
+            <a:spLocks noGrp="1"/>
+          </p:cNvSpPr>
+          <p:nvPr>
+            <p:ph idx="1"/>
+          </p:nvPr>
+        </p:nvSpPr>
+        <p:spPr/>
+        <p:txBody>
+          <a:bodyPr anchor="ctr">
+            <a:normAutofit/>
+          </a:bodyPr>
+          <a:lstStyle/>
+          <a:p>
+            <a:pPr marL="0" indent="0" algn="ctr">
+              <a:buNone/>
+            </a:pPr>
+            <a:r>
+              <a:rPr lang="en-DE" sz="3200" dirty="0"/>
+              <a:t>Most importantly: </a:t>
+            </a:r>
+          </a:p>
+          <a:p>
+            <a:pPr marL="0" indent="0" algn="ctr">
+              <a:buNone/>
+            </a:pPr>
+            <a:r>
+              <a:rPr lang="en-DE" sz="3200" dirty="0"/>
+              <a:t>Support each other!</a:t>
+            </a:r>
+            <a:endParaRPr lang="en-US" sz="3200" dirty="0"/>
+          </a:p>
+        </p:txBody>
+      </p:sp>
+    </p:spTree>
+    <p:extLst>
+      <p:ext uri="{BB962C8B-B14F-4D97-AF65-F5344CB8AC3E}">
+        <p14:creationId xmlns:p14="http://schemas.microsoft.com/office/powerpoint/2010/main" val="398570589"/>
+      </p:ext>
+    </p:extLst>
+  </p:cSld>
+  <p:clrMapOvr>
+    <a:masterClrMapping/>
+  </p:clrMapOvr>
+</p:sld>
+</file>
+
+<file path=ppt/slides/slide7.xml><?xml version="1.0" encoding="utf-8"?>
 <p:sld xmlns:a="http://schemas.openxmlformats.org/drawingml/2006/main" xmlns:r="http://schemas.openxmlformats.org/officeDocument/2006/relationships" xmlns:p="http://schemas.openxmlformats.org/presentationml/2006/main">
   <p:cSld>
     <p:spTree>
@@ -20032,7 +21799,7 @@
 </p:sld>
 </file>
 
-<file path=ppt/slides/slide6.xml><?xml version="1.0" encoding="utf-8"?>
+<file path=ppt/slides/slide8.xml><?xml version="1.0" encoding="utf-8"?>
 <p:sld xmlns:a="http://schemas.openxmlformats.org/drawingml/2006/main" xmlns:r="http://schemas.openxmlformats.org/officeDocument/2006/relationships" xmlns:p="http://schemas.openxmlformats.org/presentationml/2006/main">
   <p:cSld>
     <p:spTree>
@@ -20376,7 +22143,7 @@
 </p:sld>
 </file>
 
-<file path=ppt/slides/slide7.xml><?xml version="1.0" encoding="utf-8"?>
+<file path=ppt/slides/slide9.xml><?xml version="1.0" encoding="utf-8"?>
 <p:sld xmlns:a="http://schemas.openxmlformats.org/drawingml/2006/main" xmlns:r="http://schemas.openxmlformats.org/officeDocument/2006/relationships" xmlns:p="http://schemas.openxmlformats.org/presentationml/2006/main">
   <p:cSld>
     <p:spTree>
@@ -20587,878 +22354,6 @@
         </p:cTn>
       </p:par>
     </p:tnLst>
-  </p:timing>
-</p:sld>
-</file>
-
-<file path=ppt/slides/slide8.xml><?xml version="1.0" encoding="utf-8"?>
-<p:sld xmlns:a="http://schemas.openxmlformats.org/drawingml/2006/main" xmlns:r="http://schemas.openxmlformats.org/officeDocument/2006/relationships" xmlns:p="http://schemas.openxmlformats.org/presentationml/2006/main">
-  <p:cSld>
-    <p:spTree>
-      <p:nvGrpSpPr>
-        <p:cNvPr id="1" name=""/>
-        <p:cNvGrpSpPr/>
-        <p:nvPr/>
-      </p:nvGrpSpPr>
-      <p:grpSpPr>
-        <a:xfrm>
-          <a:off x="0" y="0"/>
-          <a:ext cx="0" cy="0"/>
-          <a:chOff x="0" y="0"/>
-          <a:chExt cx="0" cy="0"/>
-        </a:xfrm>
-      </p:grpSpPr>
-      <p:sp>
-        <p:nvSpPr>
-          <p:cNvPr id="2" name="Title 1">
-            <a:extLst>
-              <a:ext uri="{FF2B5EF4-FFF2-40B4-BE49-F238E27FC236}">
-                <a16:creationId xmlns:a16="http://schemas.microsoft.com/office/drawing/2014/main" id="{B6A8452F-EC27-483A-97FE-E92F30FC027A}"/>
-              </a:ext>
-            </a:extLst>
-          </p:cNvPr>
-          <p:cNvSpPr>
-            <a:spLocks noGrp="1"/>
-          </p:cNvSpPr>
-          <p:nvPr>
-            <p:ph type="title"/>
-          </p:nvPr>
-        </p:nvSpPr>
-        <p:spPr/>
-        <p:txBody>
-          <a:bodyPr/>
-          <a:lstStyle/>
-          <a:p>
-            <a:r>
-              <a:rPr lang="en-US" dirty="0"/>
-              <a:t>Benefits and issues of digital trace data</a:t>
-            </a:r>
-          </a:p>
-        </p:txBody>
-      </p:sp>
-      <p:sp>
-        <p:nvSpPr>
-          <p:cNvPr id="3" name="Content Placeholder 2">
-            <a:extLst>
-              <a:ext uri="{FF2B5EF4-FFF2-40B4-BE49-F238E27FC236}">
-                <a16:creationId xmlns:a16="http://schemas.microsoft.com/office/drawing/2014/main" id="{986ED41E-9BFB-407B-90E5-E16762D84FD5}"/>
-              </a:ext>
-            </a:extLst>
-          </p:cNvPr>
-          <p:cNvSpPr>
-            <a:spLocks noGrp="1"/>
-          </p:cNvSpPr>
-          <p:nvPr>
-            <p:ph sz="half" idx="1"/>
-          </p:nvPr>
-        </p:nvSpPr>
-        <p:spPr/>
-        <p:txBody>
-          <a:bodyPr numCol="1">
-            <a:normAutofit/>
-          </a:bodyPr>
-          <a:lstStyle/>
-          <a:p>
-            <a:pPr>
-              <a:lnSpc>
-                <a:spcPct val="107000"/>
-              </a:lnSpc>
-            </a:pPr>
-            <a:r>
-              <a:rPr lang="en-US" sz="2000" kern="100" dirty="0">
-                <a:solidFill>
-                  <a:srgbClr val="00B050"/>
-                </a:solidFill>
-                <a:latin typeface="+mj-lt"/>
-                <a:ea typeface="Calibri" panose="020F0502020204030204" pitchFamily="34" charset="0"/>
-                <a:cs typeface="Times New Roman" panose="02020603050405020304" pitchFamily="18" charset="0"/>
-              </a:rPr>
-              <a:t>Big (enables analysis of small differences/prevalence)</a:t>
-            </a:r>
-          </a:p>
-          <a:p>
-            <a:pPr>
-              <a:lnSpc>
-                <a:spcPct val="107000"/>
-              </a:lnSpc>
-            </a:pPr>
-            <a:r>
-              <a:rPr lang="en-US" sz="2000" kern="100" dirty="0">
-                <a:solidFill>
-                  <a:srgbClr val="00B050"/>
-                </a:solidFill>
-                <a:latin typeface="+mj-lt"/>
-                <a:ea typeface="Calibri" panose="020F0502020204030204" pitchFamily="34" charset="0"/>
-                <a:cs typeface="Times New Roman" panose="02020603050405020304" pitchFamily="18" charset="0"/>
-              </a:rPr>
-              <a:t>Always on (enable capturing of rare and surprising event</a:t>
-            </a:r>
-            <a:r>
-              <a:rPr lang="en-DE" sz="2000" kern="100" dirty="0">
-                <a:solidFill>
-                  <a:srgbClr val="00B050"/>
-                </a:solidFill>
-                <a:latin typeface="+mj-lt"/>
-                <a:ea typeface="Calibri" panose="020F0502020204030204" pitchFamily="34" charset="0"/>
-                <a:cs typeface="Times New Roman" panose="02020603050405020304" pitchFamily="18" charset="0"/>
-              </a:rPr>
-              <a:t>s</a:t>
-            </a:r>
-            <a:r>
-              <a:rPr lang="en-US" sz="2000" kern="100" dirty="0">
-                <a:solidFill>
-                  <a:srgbClr val="00B050"/>
-                </a:solidFill>
-                <a:latin typeface="+mj-lt"/>
-                <a:ea typeface="Calibri" panose="020F0502020204030204" pitchFamily="34" charset="0"/>
-                <a:cs typeface="Times New Roman" panose="02020603050405020304" pitchFamily="18" charset="0"/>
-              </a:rPr>
-              <a:t>)</a:t>
-            </a:r>
-          </a:p>
-          <a:p>
-            <a:pPr>
-              <a:lnSpc>
-                <a:spcPct val="107000"/>
-              </a:lnSpc>
-            </a:pPr>
-            <a:r>
-              <a:rPr lang="en-US" sz="2000" kern="100" dirty="0">
-                <a:solidFill>
-                  <a:srgbClr val="00B050"/>
-                </a:solidFill>
-                <a:latin typeface="+mj-lt"/>
-                <a:ea typeface="Calibri" panose="020F0502020204030204" pitchFamily="34" charset="0"/>
-                <a:cs typeface="Times New Roman" panose="02020603050405020304" pitchFamily="18" charset="0"/>
-              </a:rPr>
-              <a:t>Non-Reactive</a:t>
-            </a:r>
-          </a:p>
-          <a:p>
-            <a:pPr>
-              <a:lnSpc>
-                <a:spcPct val="107000"/>
-              </a:lnSpc>
-            </a:pPr>
-            <a:r>
-              <a:rPr lang="en-US" sz="2000" kern="100" dirty="0">
-                <a:solidFill>
-                  <a:srgbClr val="00B050"/>
-                </a:solidFill>
-                <a:latin typeface="+mj-lt"/>
-                <a:ea typeface="Calibri" panose="020F0502020204030204" pitchFamily="34" charset="0"/>
-                <a:cs typeface="Times New Roman" panose="02020603050405020304" pitchFamily="18" charset="0"/>
-              </a:rPr>
-              <a:t>Captures Social Relationships</a:t>
-            </a:r>
-          </a:p>
-          <a:p>
-            <a:pPr marL="0" indent="0">
-              <a:lnSpc>
-                <a:spcPct val="107000"/>
-              </a:lnSpc>
-              <a:buNone/>
-            </a:pPr>
-            <a:endParaRPr lang="en-DE" sz="2000" kern="100" dirty="0">
-              <a:solidFill>
-                <a:srgbClr val="00B050"/>
-              </a:solidFill>
-              <a:latin typeface="+mj-lt"/>
-              <a:ea typeface="Calibri" panose="020F0502020204030204" pitchFamily="34" charset="0"/>
-              <a:cs typeface="Times New Roman" panose="02020603050405020304" pitchFamily="18" charset="0"/>
-            </a:endParaRPr>
-          </a:p>
-        </p:txBody>
-      </p:sp>
-      <p:sp>
-        <p:nvSpPr>
-          <p:cNvPr id="4" name="Content Placeholder 3">
-            <a:extLst>
-              <a:ext uri="{FF2B5EF4-FFF2-40B4-BE49-F238E27FC236}">
-                <a16:creationId xmlns:a16="http://schemas.microsoft.com/office/drawing/2014/main" id="{9BD88958-AB94-91A9-2982-0E34EE86F98A}"/>
-              </a:ext>
-            </a:extLst>
-          </p:cNvPr>
-          <p:cNvSpPr>
-            <a:spLocks noGrp="1"/>
-          </p:cNvSpPr>
-          <p:nvPr>
-            <p:ph sz="half" idx="2"/>
-          </p:nvPr>
-        </p:nvSpPr>
-        <p:spPr/>
-        <p:txBody>
-          <a:bodyPr>
-            <a:normAutofit/>
-          </a:bodyPr>
-          <a:lstStyle/>
-          <a:p>
-            <a:pPr lvl="1">
-              <a:lnSpc>
-                <a:spcPct val="107000"/>
-              </a:lnSpc>
-            </a:pPr>
-            <a:r>
-              <a:rPr lang="en-US" sz="2000" kern="100" dirty="0">
-                <a:solidFill>
-                  <a:srgbClr val="FF0000"/>
-                </a:solidFill>
-                <a:latin typeface="+mj-lt"/>
-                <a:ea typeface="Calibri" panose="020F0502020204030204" pitchFamily="34" charset="0"/>
-                <a:cs typeface="Times New Roman" panose="02020603050405020304" pitchFamily="18" charset="0"/>
-              </a:rPr>
-              <a:t>Big (difficult to handle)</a:t>
-            </a:r>
-          </a:p>
-          <a:p>
-            <a:pPr lvl="1">
-              <a:lnSpc>
-                <a:spcPct val="107000"/>
-              </a:lnSpc>
-            </a:pPr>
-            <a:r>
-              <a:rPr lang="en-US" sz="2000" kern="100" dirty="0">
-                <a:solidFill>
-                  <a:srgbClr val="FF0000"/>
-                </a:solidFill>
-                <a:latin typeface="+mj-lt"/>
-                <a:ea typeface="Calibri" panose="020F0502020204030204" pitchFamily="34" charset="0"/>
-                <a:cs typeface="Times New Roman" panose="02020603050405020304" pitchFamily="18" charset="0"/>
-              </a:rPr>
-              <a:t>Non-Representative</a:t>
-            </a:r>
-          </a:p>
-          <a:p>
-            <a:pPr lvl="1">
-              <a:lnSpc>
-                <a:spcPct val="107000"/>
-              </a:lnSpc>
-            </a:pPr>
-            <a:r>
-              <a:rPr lang="en-US" sz="2000" kern="100" dirty="0">
-                <a:solidFill>
-                  <a:srgbClr val="FF0000"/>
-                </a:solidFill>
-                <a:latin typeface="+mj-lt"/>
-                <a:ea typeface="Calibri" panose="020F0502020204030204" pitchFamily="34" charset="0"/>
-                <a:cs typeface="Times New Roman" panose="02020603050405020304" pitchFamily="18" charset="0"/>
-              </a:rPr>
-              <a:t>Biases depending on platform</a:t>
-            </a:r>
-            <a:endParaRPr lang="en-DE" sz="2000" kern="100" dirty="0">
-              <a:solidFill>
-                <a:srgbClr val="FF0000"/>
-              </a:solidFill>
-              <a:latin typeface="+mj-lt"/>
-              <a:ea typeface="Calibri" panose="020F0502020204030204" pitchFamily="34" charset="0"/>
-              <a:cs typeface="Times New Roman" panose="02020603050405020304" pitchFamily="18" charset="0"/>
-            </a:endParaRPr>
-          </a:p>
-          <a:p>
-            <a:pPr lvl="1">
-              <a:lnSpc>
-                <a:spcPct val="107000"/>
-              </a:lnSpc>
-            </a:pPr>
-            <a:r>
-              <a:rPr lang="en-US" sz="2000" kern="100" dirty="0">
-                <a:solidFill>
-                  <a:srgbClr val="FF0000"/>
-                </a:solidFill>
-                <a:latin typeface="+mj-lt"/>
-                <a:ea typeface="Calibri" panose="020F0502020204030204" pitchFamily="34" charset="0"/>
-                <a:cs typeface="Times New Roman" panose="02020603050405020304" pitchFamily="18" charset="0"/>
-              </a:rPr>
-              <a:t>Drifting</a:t>
-            </a:r>
-          </a:p>
-          <a:p>
-            <a:pPr lvl="1">
-              <a:lnSpc>
-                <a:spcPct val="107000"/>
-              </a:lnSpc>
-            </a:pPr>
-            <a:r>
-              <a:rPr lang="en-US" sz="2000" kern="100" dirty="0">
-                <a:solidFill>
-                  <a:srgbClr val="FF0000"/>
-                </a:solidFill>
-                <a:latin typeface="+mj-lt"/>
-                <a:ea typeface="Calibri" panose="020F0502020204030204" pitchFamily="34" charset="0"/>
-                <a:cs typeface="Times New Roman" panose="02020603050405020304" pitchFamily="18" charset="0"/>
-              </a:rPr>
-              <a:t>Algorithmic Confounding</a:t>
-            </a:r>
-          </a:p>
-          <a:p>
-            <a:pPr lvl="1">
-              <a:lnSpc>
-                <a:spcPct val="107000"/>
-              </a:lnSpc>
-            </a:pPr>
-            <a:r>
-              <a:rPr lang="en-US" sz="2000" kern="100" dirty="0">
-                <a:solidFill>
-                  <a:srgbClr val="FF0000"/>
-                </a:solidFill>
-                <a:latin typeface="+mj-lt"/>
-                <a:ea typeface="Calibri" panose="020F0502020204030204" pitchFamily="34" charset="0"/>
-                <a:cs typeface="Times New Roman" panose="02020603050405020304" pitchFamily="18" charset="0"/>
-              </a:rPr>
-              <a:t>Unstructured and noisy</a:t>
-            </a:r>
-          </a:p>
-          <a:p>
-            <a:pPr lvl="1">
-              <a:lnSpc>
-                <a:spcPct val="107000"/>
-              </a:lnSpc>
-            </a:pPr>
-            <a:r>
-              <a:rPr lang="en-US" sz="2000" kern="100" dirty="0">
-                <a:solidFill>
-                  <a:srgbClr val="FF0000"/>
-                </a:solidFill>
-                <a:latin typeface="+mj-lt"/>
-                <a:ea typeface="Calibri" panose="020F0502020204030204" pitchFamily="34" charset="0"/>
-                <a:cs typeface="Times New Roman" panose="02020603050405020304" pitchFamily="18" charset="0"/>
-              </a:rPr>
-              <a:t>Sensitive</a:t>
-            </a:r>
-          </a:p>
-          <a:p>
-            <a:pPr lvl="1">
-              <a:lnSpc>
-                <a:spcPct val="107000"/>
-              </a:lnSpc>
-            </a:pPr>
-            <a:r>
-              <a:rPr lang="en-US" sz="2000" kern="100" dirty="0">
-                <a:solidFill>
-                  <a:srgbClr val="FF0000"/>
-                </a:solidFill>
-                <a:latin typeface="+mj-lt"/>
-                <a:ea typeface="Calibri" panose="020F0502020204030204" pitchFamily="34" charset="0"/>
-                <a:cs typeface="Times New Roman" panose="02020603050405020304" pitchFamily="18" charset="0"/>
-              </a:rPr>
-              <a:t>Incomplete (e.g., demographic info)</a:t>
-            </a:r>
-            <a:endParaRPr lang="en-DE" sz="2000" kern="100" dirty="0">
-              <a:solidFill>
-                <a:srgbClr val="FF0000"/>
-              </a:solidFill>
-              <a:latin typeface="+mj-lt"/>
-              <a:ea typeface="Calibri" panose="020F0502020204030204" pitchFamily="34" charset="0"/>
-              <a:cs typeface="Times New Roman" panose="02020603050405020304" pitchFamily="18" charset="0"/>
-            </a:endParaRPr>
-          </a:p>
-          <a:p>
-            <a:pPr lvl="1">
-              <a:lnSpc>
-                <a:spcPct val="107000"/>
-              </a:lnSpc>
-            </a:pPr>
-            <a:r>
-              <a:rPr lang="en-DE" sz="2000" kern="100" dirty="0">
-                <a:solidFill>
-                  <a:srgbClr val="FF0000"/>
-                </a:solidFill>
-                <a:latin typeface="+mj-lt"/>
-                <a:ea typeface="Calibri" panose="020F0502020204030204" pitchFamily="34" charset="0"/>
-                <a:cs typeface="Times New Roman" panose="02020603050405020304" pitchFamily="18" charset="0"/>
-              </a:rPr>
-              <a:t>Fake?</a:t>
-            </a:r>
-            <a:endParaRPr lang="en-US" sz="2000" kern="100" dirty="0">
-              <a:solidFill>
-                <a:srgbClr val="FF0000"/>
-              </a:solidFill>
-              <a:latin typeface="+mj-lt"/>
-              <a:ea typeface="Calibri" panose="020F0502020204030204" pitchFamily="34" charset="0"/>
-              <a:cs typeface="Times New Roman" panose="02020603050405020304" pitchFamily="18" charset="0"/>
-            </a:endParaRPr>
-          </a:p>
-        </p:txBody>
-      </p:sp>
-      <p:sp>
-        <p:nvSpPr>
-          <p:cNvPr id="6" name="TextBox 5">
-            <a:extLst>
-              <a:ext uri="{FF2B5EF4-FFF2-40B4-BE49-F238E27FC236}">
-                <a16:creationId xmlns:a16="http://schemas.microsoft.com/office/drawing/2014/main" id="{A1791F26-A278-7001-3015-341C1FD6F8B1}"/>
-              </a:ext>
-            </a:extLst>
-          </p:cNvPr>
-          <p:cNvSpPr txBox="1"/>
-          <p:nvPr/>
-        </p:nvSpPr>
-        <p:spPr>
-          <a:xfrm>
-            <a:off x="4810953" y="5948439"/>
-            <a:ext cx="2417694" cy="457048"/>
-          </a:xfrm>
-          <a:prstGeom prst="rect">
-            <a:avLst/>
-          </a:prstGeom>
-          <a:noFill/>
-        </p:spPr>
-        <p:txBody>
-          <a:bodyPr wrap="square">
-            <a:spAutoFit/>
-          </a:bodyPr>
-          <a:lstStyle/>
-          <a:p>
-            <a:pPr lvl="1">
-              <a:lnSpc>
-                <a:spcPct val="107000"/>
-              </a:lnSpc>
-              <a:spcAft>
-                <a:spcPts val="800"/>
-              </a:spcAft>
-            </a:pPr>
-            <a:r>
-              <a:rPr lang="en-DE" sz="2400" kern="100" dirty="0">
-                <a:solidFill>
-                  <a:srgbClr val="FFC000"/>
-                </a:solidFill>
-                <a:latin typeface="+mj-lt"/>
-                <a:ea typeface="Calibri" panose="020F0502020204030204" pitchFamily="34" charset="0"/>
-                <a:cs typeface="Times New Roman" panose="02020603050405020304" pitchFamily="18" charset="0"/>
-              </a:rPr>
-              <a:t>A</a:t>
-            </a:r>
-            <a:r>
-              <a:rPr lang="en-US" sz="2400" kern="100" dirty="0" err="1">
-                <a:solidFill>
-                  <a:srgbClr val="FFC000"/>
-                </a:solidFill>
-                <a:latin typeface="+mj-lt"/>
-                <a:ea typeface="Calibri" panose="020F0502020204030204" pitchFamily="34" charset="0"/>
-                <a:cs typeface="Times New Roman" panose="02020603050405020304" pitchFamily="18" charset="0"/>
-              </a:rPr>
-              <a:t>ccessibility</a:t>
-            </a:r>
-            <a:endParaRPr lang="en-US" sz="2400" dirty="0">
-              <a:solidFill>
-                <a:srgbClr val="FFC000"/>
-              </a:solidFill>
-              <a:latin typeface="+mj-lt"/>
-            </a:endParaRPr>
-          </a:p>
-        </p:txBody>
-      </p:sp>
-    </p:spTree>
-    <p:extLst>
-      <p:ext uri="{BB962C8B-B14F-4D97-AF65-F5344CB8AC3E}">
-        <p14:creationId xmlns:p14="http://schemas.microsoft.com/office/powerpoint/2010/main" val="3147069802"/>
-      </p:ext>
-    </p:extLst>
-  </p:cSld>
-  <p:clrMapOvr>
-    <a:masterClrMapping/>
-  </p:clrMapOvr>
-</p:sld>
-</file>
-
-<file path=ppt/slides/slide9.xml><?xml version="1.0" encoding="utf-8"?>
-<p:sld xmlns:a="http://schemas.openxmlformats.org/drawingml/2006/main" xmlns:r="http://schemas.openxmlformats.org/officeDocument/2006/relationships" xmlns:p="http://schemas.openxmlformats.org/presentationml/2006/main">
-  <p:cSld>
-    <p:spTree>
-      <p:nvGrpSpPr>
-        <p:cNvPr id="1" name=""/>
-        <p:cNvGrpSpPr/>
-        <p:nvPr/>
-      </p:nvGrpSpPr>
-      <p:grpSpPr>
-        <a:xfrm>
-          <a:off x="0" y="0"/>
-          <a:ext cx="0" cy="0"/>
-          <a:chOff x="0" y="0"/>
-          <a:chExt cx="0" cy="0"/>
-        </a:xfrm>
-      </p:grpSpPr>
-      <p:sp>
-        <p:nvSpPr>
-          <p:cNvPr id="2" name="Title 1">
-            <a:extLst>
-              <a:ext uri="{FF2B5EF4-FFF2-40B4-BE49-F238E27FC236}">
-                <a16:creationId xmlns:a16="http://schemas.microsoft.com/office/drawing/2014/main" id="{92B454F4-9607-4D33-87E7-635C3C7927E2}"/>
-              </a:ext>
-            </a:extLst>
-          </p:cNvPr>
-          <p:cNvSpPr>
-            <a:spLocks noGrp="1"/>
-          </p:cNvSpPr>
-          <p:nvPr>
-            <p:ph type="title"/>
-          </p:nvPr>
-        </p:nvSpPr>
-        <p:spPr/>
-        <p:txBody>
-          <a:bodyPr/>
-          <a:lstStyle/>
-          <a:p>
-            <a:r>
-              <a:rPr lang="en-US" dirty="0"/>
-              <a:t>Collecting digital trace data</a:t>
-            </a:r>
-          </a:p>
-        </p:txBody>
-      </p:sp>
-      <p:sp>
-        <p:nvSpPr>
-          <p:cNvPr id="3" name="Content Placeholder 2">
-            <a:extLst>
-              <a:ext uri="{FF2B5EF4-FFF2-40B4-BE49-F238E27FC236}">
-                <a16:creationId xmlns:a16="http://schemas.microsoft.com/office/drawing/2014/main" id="{5928F40F-FB72-48E3-883A-02C921ED1B5E}"/>
-              </a:ext>
-            </a:extLst>
-          </p:cNvPr>
-          <p:cNvSpPr>
-            <a:spLocks noGrp="1"/>
-          </p:cNvSpPr>
-          <p:nvPr>
-            <p:ph idx="1"/>
-          </p:nvPr>
-        </p:nvSpPr>
-        <p:spPr/>
-        <p:txBody>
-          <a:bodyPr/>
-          <a:lstStyle/>
-          <a:p>
-            <a:r>
-              <a:rPr lang="en-US" dirty="0"/>
-              <a:t>Our focus: Textual data</a:t>
-            </a:r>
-          </a:p>
-          <a:p>
-            <a:r>
-              <a:rPr lang="en-US" dirty="0"/>
-              <a:t>Two main ways of collecting text data online:</a:t>
-            </a:r>
-          </a:p>
-        </p:txBody>
-      </p:sp>
-      <p:sp>
-        <p:nvSpPr>
-          <p:cNvPr id="6" name="Rectangle 5">
-            <a:extLst>
-              <a:ext uri="{FF2B5EF4-FFF2-40B4-BE49-F238E27FC236}">
-                <a16:creationId xmlns:a16="http://schemas.microsoft.com/office/drawing/2014/main" id="{3F94C56A-6429-F394-7CC6-B4866C193E44}"/>
-              </a:ext>
-            </a:extLst>
-          </p:cNvPr>
-          <p:cNvSpPr/>
-          <p:nvPr/>
-        </p:nvSpPr>
-        <p:spPr>
-          <a:xfrm>
-            <a:off x="1639453" y="3429000"/>
-            <a:ext cx="3325091" cy="2308324"/>
-          </a:xfrm>
-          <a:prstGeom prst="rect">
-            <a:avLst/>
-          </a:prstGeom>
-        </p:spPr>
-        <p:style>
-          <a:lnRef idx="2">
-            <a:schemeClr val="dk1">
-              <a:shade val="15000"/>
-            </a:schemeClr>
-          </a:lnRef>
-          <a:fillRef idx="1">
-            <a:schemeClr val="dk1"/>
-          </a:fillRef>
-          <a:effectRef idx="0">
-            <a:schemeClr val="dk1"/>
-          </a:effectRef>
-          <a:fontRef idx="minor">
-            <a:schemeClr val="lt1"/>
-          </a:fontRef>
-        </p:style>
-        <p:txBody>
-          <a:bodyPr rtlCol="0" anchor="ctr"/>
-          <a:lstStyle/>
-          <a:p>
-            <a:pPr algn="ctr"/>
-            <a:r>
-              <a:rPr lang="en-DE" sz="8000" dirty="0"/>
-              <a:t>API</a:t>
-            </a:r>
-            <a:endParaRPr lang="en-US" sz="8000" dirty="0"/>
-          </a:p>
-        </p:txBody>
-      </p:sp>
-      <p:sp>
-        <p:nvSpPr>
-          <p:cNvPr id="7" name="Rectangle 6">
-            <a:extLst>
-              <a:ext uri="{FF2B5EF4-FFF2-40B4-BE49-F238E27FC236}">
-                <a16:creationId xmlns:a16="http://schemas.microsoft.com/office/drawing/2014/main" id="{87369C43-33B2-2AF6-31A9-9C05611AC370}"/>
-              </a:ext>
-            </a:extLst>
-          </p:cNvPr>
-          <p:cNvSpPr/>
-          <p:nvPr/>
-        </p:nvSpPr>
-        <p:spPr>
-          <a:xfrm>
-            <a:off x="7227457" y="3429000"/>
-            <a:ext cx="3325091" cy="2308324"/>
-          </a:xfrm>
-          <a:prstGeom prst="rect">
-            <a:avLst/>
-          </a:prstGeom>
-        </p:spPr>
-        <p:style>
-          <a:lnRef idx="2">
-            <a:schemeClr val="dk1">
-              <a:shade val="15000"/>
-            </a:schemeClr>
-          </a:lnRef>
-          <a:fillRef idx="1">
-            <a:schemeClr val="dk1"/>
-          </a:fillRef>
-          <a:effectRef idx="0">
-            <a:schemeClr val="dk1"/>
-          </a:effectRef>
-          <a:fontRef idx="minor">
-            <a:schemeClr val="lt1"/>
-          </a:fontRef>
-        </p:style>
-        <p:txBody>
-          <a:bodyPr rtlCol="0" anchor="ctr"/>
-          <a:lstStyle/>
-          <a:p>
-            <a:pPr algn="ctr"/>
-            <a:r>
-              <a:rPr lang="en-DE" sz="4800" dirty="0"/>
-              <a:t>Web</a:t>
-            </a:r>
-          </a:p>
-          <a:p>
-            <a:pPr algn="ctr"/>
-            <a:r>
-              <a:rPr lang="en-DE" sz="4800" dirty="0"/>
-              <a:t>scraping</a:t>
-            </a:r>
-            <a:endParaRPr lang="en-US" sz="4800" dirty="0"/>
-          </a:p>
-        </p:txBody>
-      </p:sp>
-    </p:spTree>
-    <p:extLst>
-      <p:ext uri="{BB962C8B-B14F-4D97-AF65-F5344CB8AC3E}">
-        <p14:creationId xmlns:p14="http://schemas.microsoft.com/office/powerpoint/2010/main" val="1278754616"/>
-      </p:ext>
-    </p:extLst>
-  </p:cSld>
-  <p:clrMapOvr>
-    <a:masterClrMapping/>
-  </p:clrMapOvr>
-  <p:timing>
-    <p:tnLst>
-      <p:par>
-        <p:cTn id="1" dur="indefinite" restart="never" nodeType="tmRoot">
-          <p:childTnLst>
-            <p:seq concurrent="1" nextAc="seek">
-              <p:cTn id="2" dur="indefinite" nodeType="mainSeq">
-                <p:childTnLst>
-                  <p:par>
-                    <p:cTn id="3" fill="hold">
-                      <p:stCondLst>
-                        <p:cond delay="indefinite"/>
-                      </p:stCondLst>
-                      <p:childTnLst>
-                        <p:par>
-                          <p:cTn id="4" fill="hold">
-                            <p:stCondLst>
-                              <p:cond delay="0"/>
-                            </p:stCondLst>
-                            <p:childTnLst>
-                              <p:par>
-                                <p:cTn id="5" presetID="1" presetClass="entr" presetSubtype="0" fill="hold" nodeType="clickEffect">
-                                  <p:stCondLst>
-                                    <p:cond delay="0"/>
-                                  </p:stCondLst>
-                                  <p:childTnLst>
-                                    <p:set>
-                                      <p:cBhvr>
-                                        <p:cTn id="6" dur="1" fill="hold">
-                                          <p:stCondLst>
-                                            <p:cond delay="0"/>
-                                          </p:stCondLst>
-                                        </p:cTn>
-                                        <p:tgtEl>
-                                          <p:spTgt spid="3">
-                                            <p:txEl>
-                                              <p:pRg st="0" end="0"/>
-                                            </p:txEl>
-                                          </p:spTgt>
-                                        </p:tgtEl>
-                                        <p:attrNameLst>
-                                          <p:attrName>style.visibility</p:attrName>
-                                        </p:attrNameLst>
-                                      </p:cBhvr>
-                                      <p:to>
-                                        <p:strVal val="visible"/>
-                                      </p:to>
-                                    </p:set>
-                                  </p:childTnLst>
-                                </p:cTn>
-                              </p:par>
-                            </p:childTnLst>
-                          </p:cTn>
-                        </p:par>
-                      </p:childTnLst>
-                    </p:cTn>
-                  </p:par>
-                  <p:par>
-                    <p:cTn id="7" fill="hold">
-                      <p:stCondLst>
-                        <p:cond delay="indefinite"/>
-                      </p:stCondLst>
-                      <p:childTnLst>
-                        <p:par>
-                          <p:cTn id="8" fill="hold">
-                            <p:stCondLst>
-                              <p:cond delay="0"/>
-                            </p:stCondLst>
-                            <p:childTnLst>
-                              <p:par>
-                                <p:cTn id="9" presetID="1" presetClass="entr" presetSubtype="0" fill="hold" nodeType="clickEffect">
-                                  <p:stCondLst>
-                                    <p:cond delay="0"/>
-                                  </p:stCondLst>
-                                  <p:childTnLst>
-                                    <p:set>
-                                      <p:cBhvr>
-                                        <p:cTn id="10" dur="1" fill="hold">
-                                          <p:stCondLst>
-                                            <p:cond delay="0"/>
-                                          </p:stCondLst>
-                                        </p:cTn>
-                                        <p:tgtEl>
-                                          <p:spTgt spid="3">
-                                            <p:txEl>
-                                              <p:pRg st="1" end="1"/>
-                                            </p:txEl>
-                                          </p:spTgt>
-                                        </p:tgtEl>
-                                        <p:attrNameLst>
-                                          <p:attrName>style.visibility</p:attrName>
-                                        </p:attrNameLst>
-                                      </p:cBhvr>
-                                      <p:to>
-                                        <p:strVal val="visible"/>
-                                      </p:to>
-                                    </p:set>
-                                  </p:childTnLst>
-                                </p:cTn>
-                              </p:par>
-                            </p:childTnLst>
-                          </p:cTn>
-                        </p:par>
-                      </p:childTnLst>
-                    </p:cTn>
-                  </p:par>
-                  <p:par>
-                    <p:cTn id="11" fill="hold">
-                      <p:stCondLst>
-                        <p:cond delay="indefinite"/>
-                      </p:stCondLst>
-                      <p:childTnLst>
-                        <p:par>
-                          <p:cTn id="12" fill="hold">
-                            <p:stCondLst>
-                              <p:cond delay="0"/>
-                            </p:stCondLst>
-                            <p:childTnLst>
-                              <p:par>
-                                <p:cTn id="13" presetID="1" presetClass="entr" presetSubtype="0" fill="hold" grpId="0" nodeType="clickEffect">
-                                  <p:stCondLst>
-                                    <p:cond delay="0"/>
-                                  </p:stCondLst>
-                                  <p:childTnLst>
-                                    <p:set>
-                                      <p:cBhvr>
-                                        <p:cTn id="14" dur="1" fill="hold">
-                                          <p:stCondLst>
-                                            <p:cond delay="0"/>
-                                          </p:stCondLst>
-                                        </p:cTn>
-                                        <p:tgtEl>
-                                          <p:spTgt spid="7"/>
-                                        </p:tgtEl>
-                                        <p:attrNameLst>
-                                          <p:attrName>style.visibility</p:attrName>
-                                        </p:attrNameLst>
-                                      </p:cBhvr>
-                                      <p:to>
-                                        <p:strVal val="visible"/>
-                                      </p:to>
-                                    </p:set>
-                                  </p:childTnLst>
-                                </p:cTn>
-                              </p:par>
-                              <p:par>
-                                <p:cTn id="15" presetID="1" presetClass="entr" presetSubtype="0" fill="hold" grpId="0" nodeType="withEffect">
-                                  <p:stCondLst>
-                                    <p:cond delay="0"/>
-                                  </p:stCondLst>
-                                  <p:childTnLst>
-                                    <p:set>
-                                      <p:cBhvr>
-                                        <p:cTn id="16" dur="1" fill="hold">
-                                          <p:stCondLst>
-                                            <p:cond delay="0"/>
-                                          </p:stCondLst>
-                                        </p:cTn>
-                                        <p:tgtEl>
-                                          <p:spTgt spid="6"/>
-                                        </p:tgtEl>
-                                        <p:attrNameLst>
-                                          <p:attrName>style.visibility</p:attrName>
-                                        </p:attrNameLst>
-                                      </p:cBhvr>
-                                      <p:to>
-                                        <p:strVal val="visible"/>
-                                      </p:to>
-                                    </p:set>
-                                  </p:childTnLst>
-                                </p:cTn>
-                              </p:par>
-                            </p:childTnLst>
-                          </p:cTn>
-                        </p:par>
-                      </p:childTnLst>
-                    </p:cTn>
-                  </p:par>
-                </p:childTnLst>
-              </p:cTn>
-              <p:prevCondLst>
-                <p:cond evt="onPrev" delay="0">
-                  <p:tgtEl>
-                    <p:sldTgt/>
-                  </p:tgtEl>
-                </p:cond>
-              </p:prevCondLst>
-              <p:nextCondLst>
-                <p:cond evt="onNext" delay="0">
-                  <p:tgtEl>
-                    <p:sldTgt/>
-                  </p:tgtEl>
-                </p:cond>
-              </p:nextCondLst>
-            </p:seq>
-          </p:childTnLst>
-        </p:cTn>
-      </p:par>
-    </p:tnLst>
-    <p:bldLst>
-      <p:bldP spid="6" grpId="0" animBg="1"/>
-      <p:bldP spid="7" grpId="0" animBg="1"/>
-    </p:bldLst>
   </p:timing>
 </p:sld>
 </file>
